--- a/HangmanPsudoCode.pptx
+++ b/HangmanPsudoCode.pptx
@@ -1,16 +1,14 @@
 
 <file path=ppt/presentation.xml><?xml version="1.0" encoding="utf-8"?>
-<p:presentation xmlns:a="http://schemas.openxmlformats.org/drawingml/2006/main" xmlns:r="http://schemas.openxmlformats.org/officeDocument/2006/relationships" xmlns:p="http://schemas.openxmlformats.org/presentationml/2006/main" saveSubsetFonts="1">
+<p:presentation xmlns:a="http://schemas.openxmlformats.org/drawingml/2006/main" xmlns:r="http://schemas.openxmlformats.org/officeDocument/2006/relationships" xmlns:mc="http://schemas.openxmlformats.org/markup-compatibility/2006" xmlns:mv="urn:schemas-microsoft-com:mac:vml" xmlns:p="http://schemas.openxmlformats.org/presentationml/2006/main" mc:Ignorable="mv" mc:PreserveAttributes="mv:*" saveSubsetFonts="1">
   <p:sldMasterIdLst>
     <p:sldMasterId id="2147483648" r:id="rId1"/>
   </p:sldMasterIdLst>
   <p:notesMasterIdLst>
-    <p:notesMasterId r:id="rId5"/>
+    <p:notesMasterId r:id="rId3"/>
   </p:notesMasterIdLst>
   <p:sldIdLst>
-    <p:sldId id="259" r:id="rId2"/>
-    <p:sldId id="260" r:id="rId3"/>
-    <p:sldId id="257" r:id="rId4"/>
+    <p:sldId id="258" r:id="rId2"/>
   </p:sldIdLst>
   <p:sldSz cx="9144000" cy="6858000" type="screen4x3"/>
   <p:notesSz cx="6858000" cy="9144000"/>
@@ -113,7 +111,7 @@
 </file>
 
 <file path=ppt/notesMasters/notesMaster1.xml><?xml version="1.0" encoding="utf-8"?>
-<p:notesMaster xmlns:a="http://schemas.openxmlformats.org/drawingml/2006/main" xmlns:r="http://schemas.openxmlformats.org/officeDocument/2006/relationships" xmlns:p="http://schemas.openxmlformats.org/presentationml/2006/main">
+<p:notesMaster xmlns:a="http://schemas.openxmlformats.org/drawingml/2006/main" xmlns:r="http://schemas.openxmlformats.org/officeDocument/2006/relationships" xmlns:mc="http://schemas.openxmlformats.org/markup-compatibility/2006" xmlns:mv="urn:schemas-microsoft-com:mac:vml" xmlns:p="http://schemas.openxmlformats.org/presentationml/2006/main" mc:Ignorable="mv" mc:PreserveAttributes="mv:*">
   <p:cSld>
     <p:bg>
       <p:bgRef idx="1001">
@@ -194,7 +192,8 @@
           <a:p>
             <a:fld id="{4A94E69B-8EFA-4D99-AD9F-0E044DDCF042}" type="datetimeFigureOut">
               <a:rPr lang="en-US" smtClean="0"/>
-              <a:t>2/7/2013</a:t>
+              <a:pPr/>
+              <a:t>9/22/16</a:t>
             </a:fld>
             <a:endParaRPr lang="en-US"/>
           </a:p>
@@ -353,6 +352,7 @@
           <a:p>
             <a:fld id="{9E4E2874-5080-4A5F-8BBB-DBBA567ADC88}" type="slidenum">
               <a:rPr lang="en-US" smtClean="0"/>
+              <a:pPr/>
               <a:t>‹#›</a:t>
             </a:fld>
             <a:endParaRPr lang="en-US"/>
@@ -362,7 +362,7 @@
     </p:spTree>
     <p:extLst>
       <p:ext uri="{BB962C8B-B14F-4D97-AF65-F5344CB8AC3E}">
-        <p14:creationId xmlns:p14="http://schemas.microsoft.com/office/powerpoint/2010/main" val="3574017387"/>
+        <p14:creationId xmlns="" xmlns:a="http://schemas.openxmlformats.org/drawingml/2006/main" xmlns:r="http://schemas.openxmlformats.org/officeDocument/2006/relationships" xmlns:p="http://schemas.openxmlformats.org/presentationml/2006/main" xmlns:p14="http://schemas.microsoft.com/office/powerpoint/2010/main" xmlns:mv="urn:schemas-microsoft-com:mac:vml" xmlns:mc="http://schemas.openxmlformats.org/markup-compatibility/2006" val="3574017387"/>
       </p:ext>
     </p:extLst>
   </p:cSld>
@@ -463,7 +463,7 @@
 </file>
 
 <file path=ppt/notesSlides/notesSlide1.xml><?xml version="1.0" encoding="utf-8"?>
-<p:notes xmlns:a="http://schemas.openxmlformats.org/drawingml/2006/main" xmlns:r="http://schemas.openxmlformats.org/officeDocument/2006/relationships" xmlns:p="http://schemas.openxmlformats.org/presentationml/2006/main">
+<p:notes xmlns:a="http://schemas.openxmlformats.org/drawingml/2006/main" xmlns:r="http://schemas.openxmlformats.org/officeDocument/2006/relationships" xmlns:mc="http://schemas.openxmlformats.org/markup-compatibility/2006" xmlns:mv="urn:schemas-microsoft-com:mac:vml" xmlns:p="http://schemas.openxmlformats.org/presentationml/2006/main" mc:Ignorable="mv" mc:PreserveAttributes="mv:*">
   <p:cSld>
     <p:spTree>
       <p:nvGrpSpPr>
@@ -503,30 +503,33 @@
         </p:nvSpPr>
         <p:spPr/>
         <p:txBody>
+          <a:bodyPr>
+            <a:normAutofit/>
+          </a:bodyPr>
+          <a:lstStyle/>
+          <a:p>
+            <a:endParaRPr lang="en-US" dirty="0"/>
+          </a:p>
+        </p:txBody>
+      </p:sp>
+      <p:sp>
+        <p:nvSpPr>
+          <p:cNvPr id="4" name="Slide Number Placeholder 3"/>
+          <p:cNvSpPr>
+            <a:spLocks noGrp="1"/>
+          </p:cNvSpPr>
+          <p:nvPr>
+            <p:ph type="sldNum" sz="quarter" idx="10"/>
+          </p:nvPr>
+        </p:nvSpPr>
+        <p:spPr/>
+        <p:txBody>
           <a:bodyPr/>
           <a:lstStyle/>
           <a:p>
-            <a:endParaRPr lang="en-US"/>
-          </a:p>
-        </p:txBody>
-      </p:sp>
-      <p:sp>
-        <p:nvSpPr>
-          <p:cNvPr id="4" name="Slide Number Placeholder 3"/>
-          <p:cNvSpPr>
-            <a:spLocks noGrp="1"/>
-          </p:cNvSpPr>
-          <p:nvPr>
-            <p:ph type="sldNum" sz="quarter" idx="10"/>
-          </p:nvPr>
-        </p:nvSpPr>
-        <p:spPr/>
-        <p:txBody>
-          <a:bodyPr/>
-          <a:lstStyle/>
-          <a:p>
             <a:fld id="{9E4E2874-5080-4A5F-8BBB-DBBA567ADC88}" type="slidenum">
               <a:rPr lang="en-US" smtClean="0"/>
+              <a:pPr/>
               <a:t>1</a:t>
             </a:fld>
             <a:endParaRPr lang="en-US"/>
@@ -534,179 +537,6 @@
         </p:txBody>
       </p:sp>
     </p:spTree>
-    <p:extLst>
-      <p:ext uri="{BB962C8B-B14F-4D97-AF65-F5344CB8AC3E}">
-        <p14:creationId xmlns:p14="http://schemas.microsoft.com/office/powerpoint/2010/main" val="1057624748"/>
-      </p:ext>
-    </p:extLst>
-  </p:cSld>
-  <p:clrMapOvr>
-    <a:masterClrMapping/>
-  </p:clrMapOvr>
-</p:notes>
-</file>
-
-<file path=ppt/notesSlides/notesSlide2.xml><?xml version="1.0" encoding="utf-8"?>
-<p:notes xmlns:a="http://schemas.openxmlformats.org/drawingml/2006/main" xmlns:r="http://schemas.openxmlformats.org/officeDocument/2006/relationships" xmlns:p="http://schemas.openxmlformats.org/presentationml/2006/main">
-  <p:cSld>
-    <p:spTree>
-      <p:nvGrpSpPr>
-        <p:cNvPr id="1" name=""/>
-        <p:cNvGrpSpPr/>
-        <p:nvPr/>
-      </p:nvGrpSpPr>
-      <p:grpSpPr>
-        <a:xfrm>
-          <a:off x="0" y="0"/>
-          <a:ext cx="0" cy="0"/>
-          <a:chOff x="0" y="0"/>
-          <a:chExt cx="0" cy="0"/>
-        </a:xfrm>
-      </p:grpSpPr>
-      <p:sp>
-        <p:nvSpPr>
-          <p:cNvPr id="2" name="Slide Image Placeholder 1"/>
-          <p:cNvSpPr>
-            <a:spLocks noGrp="1" noRot="1" noChangeAspect="1"/>
-          </p:cNvSpPr>
-          <p:nvPr>
-            <p:ph type="sldImg"/>
-          </p:nvPr>
-        </p:nvSpPr>
-        <p:spPr/>
-      </p:sp>
-      <p:sp>
-        <p:nvSpPr>
-          <p:cNvPr id="3" name="Notes Placeholder 2"/>
-          <p:cNvSpPr>
-            <a:spLocks noGrp="1"/>
-          </p:cNvSpPr>
-          <p:nvPr>
-            <p:ph type="body" idx="1"/>
-          </p:nvPr>
-        </p:nvSpPr>
-        <p:spPr/>
-        <p:txBody>
-          <a:bodyPr/>
-          <a:lstStyle/>
-          <a:p>
-            <a:endParaRPr lang="en-US"/>
-          </a:p>
-        </p:txBody>
-      </p:sp>
-      <p:sp>
-        <p:nvSpPr>
-          <p:cNvPr id="4" name="Slide Number Placeholder 3"/>
-          <p:cNvSpPr>
-            <a:spLocks noGrp="1"/>
-          </p:cNvSpPr>
-          <p:nvPr>
-            <p:ph type="sldNum" sz="quarter" idx="10"/>
-          </p:nvPr>
-        </p:nvSpPr>
-        <p:spPr/>
-        <p:txBody>
-          <a:bodyPr/>
-          <a:lstStyle/>
-          <a:p>
-            <a:fld id="{9E4E2874-5080-4A5F-8BBB-DBBA567ADC88}" type="slidenum">
-              <a:rPr lang="en-US" smtClean="0"/>
-              <a:t>2</a:t>
-            </a:fld>
-            <a:endParaRPr lang="en-US"/>
-          </a:p>
-        </p:txBody>
-      </p:sp>
-    </p:spTree>
-    <p:extLst>
-      <p:ext uri="{BB962C8B-B14F-4D97-AF65-F5344CB8AC3E}">
-        <p14:creationId xmlns:p14="http://schemas.microsoft.com/office/powerpoint/2010/main" val="15773353"/>
-      </p:ext>
-    </p:extLst>
-  </p:cSld>
-  <p:clrMapOvr>
-    <a:masterClrMapping/>
-  </p:clrMapOvr>
-</p:notes>
-</file>
-
-<file path=ppt/notesSlides/notesSlide3.xml><?xml version="1.0" encoding="utf-8"?>
-<p:notes xmlns:a="http://schemas.openxmlformats.org/drawingml/2006/main" xmlns:r="http://schemas.openxmlformats.org/officeDocument/2006/relationships" xmlns:p="http://schemas.openxmlformats.org/presentationml/2006/main">
-  <p:cSld>
-    <p:spTree>
-      <p:nvGrpSpPr>
-        <p:cNvPr id="1" name=""/>
-        <p:cNvGrpSpPr/>
-        <p:nvPr/>
-      </p:nvGrpSpPr>
-      <p:grpSpPr>
-        <a:xfrm>
-          <a:off x="0" y="0"/>
-          <a:ext cx="0" cy="0"/>
-          <a:chOff x="0" y="0"/>
-          <a:chExt cx="0" cy="0"/>
-        </a:xfrm>
-      </p:grpSpPr>
-      <p:sp>
-        <p:nvSpPr>
-          <p:cNvPr id="2" name="Slide Image Placeholder 1"/>
-          <p:cNvSpPr>
-            <a:spLocks noGrp="1" noRot="1" noChangeAspect="1"/>
-          </p:cNvSpPr>
-          <p:nvPr>
-            <p:ph type="sldImg"/>
-          </p:nvPr>
-        </p:nvSpPr>
-        <p:spPr/>
-      </p:sp>
-      <p:sp>
-        <p:nvSpPr>
-          <p:cNvPr id="3" name="Notes Placeholder 2"/>
-          <p:cNvSpPr>
-            <a:spLocks noGrp="1"/>
-          </p:cNvSpPr>
-          <p:nvPr>
-            <p:ph type="body" idx="1"/>
-          </p:nvPr>
-        </p:nvSpPr>
-        <p:spPr/>
-        <p:txBody>
-          <a:bodyPr/>
-          <a:lstStyle/>
-          <a:p>
-            <a:endParaRPr lang="en-US"/>
-          </a:p>
-        </p:txBody>
-      </p:sp>
-      <p:sp>
-        <p:nvSpPr>
-          <p:cNvPr id="4" name="Slide Number Placeholder 3"/>
-          <p:cNvSpPr>
-            <a:spLocks noGrp="1"/>
-          </p:cNvSpPr>
-          <p:nvPr>
-            <p:ph type="sldNum" sz="quarter" idx="10"/>
-          </p:nvPr>
-        </p:nvSpPr>
-        <p:spPr/>
-        <p:txBody>
-          <a:bodyPr/>
-          <a:lstStyle/>
-          <a:p>
-            <a:fld id="{9E4E2874-5080-4A5F-8BBB-DBBA567ADC88}" type="slidenum">
-              <a:rPr lang="en-US" smtClean="0"/>
-              <a:t>3</a:t>
-            </a:fld>
-            <a:endParaRPr lang="en-US"/>
-          </a:p>
-        </p:txBody>
-      </p:sp>
-    </p:spTree>
-    <p:extLst>
-      <p:ext uri="{BB962C8B-B14F-4D97-AF65-F5344CB8AC3E}">
-        <p14:creationId xmlns:p14="http://schemas.microsoft.com/office/powerpoint/2010/main" val="215710735"/>
-      </p:ext>
-    </p:extLst>
   </p:cSld>
   <p:clrMapOvr>
     <a:masterClrMapping/>
@@ -715,7 +545,7 @@
 </file>
 
 <file path=ppt/slideLayouts/slideLayout1.xml><?xml version="1.0" encoding="utf-8"?>
-<p:sldLayout xmlns:a="http://schemas.openxmlformats.org/drawingml/2006/main" xmlns:r="http://schemas.openxmlformats.org/officeDocument/2006/relationships" xmlns:p="http://schemas.openxmlformats.org/presentationml/2006/main" type="title" preserve="1">
+<p:sldLayout xmlns:a="http://schemas.openxmlformats.org/drawingml/2006/main" xmlns:r="http://schemas.openxmlformats.org/officeDocument/2006/relationships" xmlns:mc="http://schemas.openxmlformats.org/markup-compatibility/2006" xmlns:mv="urn:schemas-microsoft-com:mac:vml" xmlns:p="http://schemas.openxmlformats.org/presentationml/2006/main" mc:Ignorable="mv" mc:PreserveAttributes="mv:*" type="title" preserve="1">
   <p:cSld name="Title Slide">
     <p:spTree>
       <p:nvGrpSpPr>
@@ -895,7 +725,8 @@
           <a:p>
             <a:fld id="{C98D5743-2D22-457A-82A5-A52DD591458E}" type="datetimeFigureOut">
               <a:rPr lang="en-US" smtClean="0"/>
-              <a:t>2/7/2013</a:t>
+              <a:pPr/>
+              <a:t>9/22/16</a:t>
             </a:fld>
             <a:endParaRPr lang="en-US"/>
           </a:p>
@@ -937,6 +768,7 @@
           <a:p>
             <a:fld id="{D9A2F68E-38F3-4B62-B4EC-732585EF9F3C}" type="slidenum">
               <a:rPr lang="en-US" smtClean="0"/>
+              <a:pPr/>
               <a:t>‹#›</a:t>
             </a:fld>
             <a:endParaRPr lang="en-US"/>
@@ -946,7 +778,7 @@
     </p:spTree>
     <p:extLst>
       <p:ext uri="{BB962C8B-B14F-4D97-AF65-F5344CB8AC3E}">
-        <p14:creationId xmlns:p14="http://schemas.microsoft.com/office/powerpoint/2010/main" val="3646963176"/>
+        <p14:creationId xmlns="" xmlns:a="http://schemas.openxmlformats.org/drawingml/2006/main" xmlns:r="http://schemas.openxmlformats.org/officeDocument/2006/relationships" xmlns:p="http://schemas.openxmlformats.org/presentationml/2006/main" xmlns:p14="http://schemas.microsoft.com/office/powerpoint/2010/main" xmlns:mv="urn:schemas-microsoft-com:mac:vml" xmlns:mc="http://schemas.openxmlformats.org/markup-compatibility/2006" val="3646963176"/>
       </p:ext>
     </p:extLst>
   </p:cSld>
@@ -957,7 +789,7 @@
 </file>
 
 <file path=ppt/slideLayouts/slideLayout10.xml><?xml version="1.0" encoding="utf-8"?>
-<p:sldLayout xmlns:a="http://schemas.openxmlformats.org/drawingml/2006/main" xmlns:r="http://schemas.openxmlformats.org/officeDocument/2006/relationships" xmlns:p="http://schemas.openxmlformats.org/presentationml/2006/main" type="vertTx" preserve="1">
+<p:sldLayout xmlns:a="http://schemas.openxmlformats.org/drawingml/2006/main" xmlns:r="http://schemas.openxmlformats.org/officeDocument/2006/relationships" xmlns:mc="http://schemas.openxmlformats.org/markup-compatibility/2006" xmlns:mv="urn:schemas-microsoft-com:mac:vml" xmlns:p="http://schemas.openxmlformats.org/presentationml/2006/main" mc:Ignorable="mv" mc:PreserveAttributes="mv:*" type="vertTx" preserve="1">
   <p:cSld name="Title and Vertical Text">
     <p:spTree>
       <p:nvGrpSpPr>
@@ -1065,7 +897,8 @@
           <a:p>
             <a:fld id="{C98D5743-2D22-457A-82A5-A52DD591458E}" type="datetimeFigureOut">
               <a:rPr lang="en-US" smtClean="0"/>
-              <a:t>2/7/2013</a:t>
+              <a:pPr/>
+              <a:t>9/22/16</a:t>
             </a:fld>
             <a:endParaRPr lang="en-US"/>
           </a:p>
@@ -1107,6 +940,7 @@
           <a:p>
             <a:fld id="{D9A2F68E-38F3-4B62-B4EC-732585EF9F3C}" type="slidenum">
               <a:rPr lang="en-US" smtClean="0"/>
+              <a:pPr/>
               <a:t>‹#›</a:t>
             </a:fld>
             <a:endParaRPr lang="en-US"/>
@@ -1116,7 +950,7 @@
     </p:spTree>
     <p:extLst>
       <p:ext uri="{BB962C8B-B14F-4D97-AF65-F5344CB8AC3E}">
-        <p14:creationId xmlns:p14="http://schemas.microsoft.com/office/powerpoint/2010/main" val="1212460833"/>
+        <p14:creationId xmlns="" xmlns:a="http://schemas.openxmlformats.org/drawingml/2006/main" xmlns:r="http://schemas.openxmlformats.org/officeDocument/2006/relationships" xmlns:p="http://schemas.openxmlformats.org/presentationml/2006/main" xmlns:p14="http://schemas.microsoft.com/office/powerpoint/2010/main" xmlns:mv="urn:schemas-microsoft-com:mac:vml" xmlns:mc="http://schemas.openxmlformats.org/markup-compatibility/2006" val="1212460833"/>
       </p:ext>
     </p:extLst>
   </p:cSld>
@@ -1127,7 +961,7 @@
 </file>
 
 <file path=ppt/slideLayouts/slideLayout11.xml><?xml version="1.0" encoding="utf-8"?>
-<p:sldLayout xmlns:a="http://schemas.openxmlformats.org/drawingml/2006/main" xmlns:r="http://schemas.openxmlformats.org/officeDocument/2006/relationships" xmlns:p="http://schemas.openxmlformats.org/presentationml/2006/main" type="vertTitleAndTx" preserve="1">
+<p:sldLayout xmlns:a="http://schemas.openxmlformats.org/drawingml/2006/main" xmlns:r="http://schemas.openxmlformats.org/officeDocument/2006/relationships" xmlns:mc="http://schemas.openxmlformats.org/markup-compatibility/2006" xmlns:mv="urn:schemas-microsoft-com:mac:vml" xmlns:p="http://schemas.openxmlformats.org/presentationml/2006/main" mc:Ignorable="mv" mc:PreserveAttributes="mv:*" type="vertTitleAndTx" preserve="1">
   <p:cSld name="Vertical Title and Text">
     <p:spTree>
       <p:nvGrpSpPr>
@@ -1245,7 +1079,8 @@
           <a:p>
             <a:fld id="{C98D5743-2D22-457A-82A5-A52DD591458E}" type="datetimeFigureOut">
               <a:rPr lang="en-US" smtClean="0"/>
-              <a:t>2/7/2013</a:t>
+              <a:pPr/>
+              <a:t>9/22/16</a:t>
             </a:fld>
             <a:endParaRPr lang="en-US"/>
           </a:p>
@@ -1287,6 +1122,7 @@
           <a:p>
             <a:fld id="{D9A2F68E-38F3-4B62-B4EC-732585EF9F3C}" type="slidenum">
               <a:rPr lang="en-US" smtClean="0"/>
+              <a:pPr/>
               <a:t>‹#›</a:t>
             </a:fld>
             <a:endParaRPr lang="en-US"/>
@@ -1296,7 +1132,7 @@
     </p:spTree>
     <p:extLst>
       <p:ext uri="{BB962C8B-B14F-4D97-AF65-F5344CB8AC3E}">
-        <p14:creationId xmlns:p14="http://schemas.microsoft.com/office/powerpoint/2010/main" val="4230546872"/>
+        <p14:creationId xmlns="" xmlns:a="http://schemas.openxmlformats.org/drawingml/2006/main" xmlns:r="http://schemas.openxmlformats.org/officeDocument/2006/relationships" xmlns:p="http://schemas.openxmlformats.org/presentationml/2006/main" xmlns:p14="http://schemas.microsoft.com/office/powerpoint/2010/main" xmlns:mv="urn:schemas-microsoft-com:mac:vml" xmlns:mc="http://schemas.openxmlformats.org/markup-compatibility/2006" val="4230546872"/>
       </p:ext>
     </p:extLst>
   </p:cSld>
@@ -1307,7 +1143,7 @@
 </file>
 
 <file path=ppt/slideLayouts/slideLayout2.xml><?xml version="1.0" encoding="utf-8"?>
-<p:sldLayout xmlns:a="http://schemas.openxmlformats.org/drawingml/2006/main" xmlns:r="http://schemas.openxmlformats.org/officeDocument/2006/relationships" xmlns:p="http://schemas.openxmlformats.org/presentationml/2006/main" type="obj" preserve="1">
+<p:sldLayout xmlns:a="http://schemas.openxmlformats.org/drawingml/2006/main" xmlns:r="http://schemas.openxmlformats.org/officeDocument/2006/relationships" xmlns:mc="http://schemas.openxmlformats.org/markup-compatibility/2006" xmlns:mv="urn:schemas-microsoft-com:mac:vml" xmlns:p="http://schemas.openxmlformats.org/presentationml/2006/main" mc:Ignorable="mv" mc:PreserveAttributes="mv:*" type="obj" preserve="1">
   <p:cSld name="Title and Content">
     <p:spTree>
       <p:nvGrpSpPr>
@@ -1415,7 +1251,8 @@
           <a:p>
             <a:fld id="{C98D5743-2D22-457A-82A5-A52DD591458E}" type="datetimeFigureOut">
               <a:rPr lang="en-US" smtClean="0"/>
-              <a:t>2/7/2013</a:t>
+              <a:pPr/>
+              <a:t>9/22/16</a:t>
             </a:fld>
             <a:endParaRPr lang="en-US"/>
           </a:p>
@@ -1457,6 +1294,7 @@
           <a:p>
             <a:fld id="{D9A2F68E-38F3-4B62-B4EC-732585EF9F3C}" type="slidenum">
               <a:rPr lang="en-US" smtClean="0"/>
+              <a:pPr/>
               <a:t>‹#›</a:t>
             </a:fld>
             <a:endParaRPr lang="en-US"/>
@@ -1466,7 +1304,7 @@
     </p:spTree>
     <p:extLst>
       <p:ext uri="{BB962C8B-B14F-4D97-AF65-F5344CB8AC3E}">
-        <p14:creationId xmlns:p14="http://schemas.microsoft.com/office/powerpoint/2010/main" val="2353689200"/>
+        <p14:creationId xmlns="" xmlns:a="http://schemas.openxmlformats.org/drawingml/2006/main" xmlns:r="http://schemas.openxmlformats.org/officeDocument/2006/relationships" xmlns:p="http://schemas.openxmlformats.org/presentationml/2006/main" xmlns:p14="http://schemas.microsoft.com/office/powerpoint/2010/main" xmlns:mv="urn:schemas-microsoft-com:mac:vml" xmlns:mc="http://schemas.openxmlformats.org/markup-compatibility/2006" val="2353689200"/>
       </p:ext>
     </p:extLst>
   </p:cSld>
@@ -1477,7 +1315,7 @@
 </file>
 
 <file path=ppt/slideLayouts/slideLayout3.xml><?xml version="1.0" encoding="utf-8"?>
-<p:sldLayout xmlns:a="http://schemas.openxmlformats.org/drawingml/2006/main" xmlns:r="http://schemas.openxmlformats.org/officeDocument/2006/relationships" xmlns:p="http://schemas.openxmlformats.org/presentationml/2006/main" type="secHead" preserve="1">
+<p:sldLayout xmlns:a="http://schemas.openxmlformats.org/drawingml/2006/main" xmlns:r="http://schemas.openxmlformats.org/officeDocument/2006/relationships" xmlns:mc="http://schemas.openxmlformats.org/markup-compatibility/2006" xmlns:mv="urn:schemas-microsoft-com:mac:vml" xmlns:p="http://schemas.openxmlformats.org/presentationml/2006/main" mc:Ignorable="mv" mc:PreserveAttributes="mv:*" type="secHead" preserve="1">
   <p:cSld name="Section Header">
     <p:spTree>
       <p:nvGrpSpPr>
@@ -1661,7 +1499,8 @@
           <a:p>
             <a:fld id="{C98D5743-2D22-457A-82A5-A52DD591458E}" type="datetimeFigureOut">
               <a:rPr lang="en-US" smtClean="0"/>
-              <a:t>2/7/2013</a:t>
+              <a:pPr/>
+              <a:t>9/22/16</a:t>
             </a:fld>
             <a:endParaRPr lang="en-US"/>
           </a:p>
@@ -1703,6 +1542,7 @@
           <a:p>
             <a:fld id="{D9A2F68E-38F3-4B62-B4EC-732585EF9F3C}" type="slidenum">
               <a:rPr lang="en-US" smtClean="0"/>
+              <a:pPr/>
               <a:t>‹#›</a:t>
             </a:fld>
             <a:endParaRPr lang="en-US"/>
@@ -1712,7 +1552,7 @@
     </p:spTree>
     <p:extLst>
       <p:ext uri="{BB962C8B-B14F-4D97-AF65-F5344CB8AC3E}">
-        <p14:creationId xmlns:p14="http://schemas.microsoft.com/office/powerpoint/2010/main" val="3121146411"/>
+        <p14:creationId xmlns="" xmlns:a="http://schemas.openxmlformats.org/drawingml/2006/main" xmlns:r="http://schemas.openxmlformats.org/officeDocument/2006/relationships" xmlns:p="http://schemas.openxmlformats.org/presentationml/2006/main" xmlns:p14="http://schemas.microsoft.com/office/powerpoint/2010/main" xmlns:mv="urn:schemas-microsoft-com:mac:vml" xmlns:mc="http://schemas.openxmlformats.org/markup-compatibility/2006" val="3121146411"/>
       </p:ext>
     </p:extLst>
   </p:cSld>
@@ -1723,7 +1563,7 @@
 </file>
 
 <file path=ppt/slideLayouts/slideLayout4.xml><?xml version="1.0" encoding="utf-8"?>
-<p:sldLayout xmlns:a="http://schemas.openxmlformats.org/drawingml/2006/main" xmlns:r="http://schemas.openxmlformats.org/officeDocument/2006/relationships" xmlns:p="http://schemas.openxmlformats.org/presentationml/2006/main" type="twoObj" preserve="1">
+<p:sldLayout xmlns:a="http://schemas.openxmlformats.org/drawingml/2006/main" xmlns:r="http://schemas.openxmlformats.org/officeDocument/2006/relationships" xmlns:mc="http://schemas.openxmlformats.org/markup-compatibility/2006" xmlns:mv="urn:schemas-microsoft-com:mac:vml" xmlns:p="http://schemas.openxmlformats.org/presentationml/2006/main" mc:Ignorable="mv" mc:PreserveAttributes="mv:*" type="twoObj" preserve="1">
   <p:cSld name="Two Content">
     <p:spTree>
       <p:nvGrpSpPr>
@@ -1949,7 +1789,8 @@
           <a:p>
             <a:fld id="{C98D5743-2D22-457A-82A5-A52DD591458E}" type="datetimeFigureOut">
               <a:rPr lang="en-US" smtClean="0"/>
-              <a:t>2/7/2013</a:t>
+              <a:pPr/>
+              <a:t>9/22/16</a:t>
             </a:fld>
             <a:endParaRPr lang="en-US"/>
           </a:p>
@@ -1991,6 +1832,7 @@
           <a:p>
             <a:fld id="{D9A2F68E-38F3-4B62-B4EC-732585EF9F3C}" type="slidenum">
               <a:rPr lang="en-US" smtClean="0"/>
+              <a:pPr/>
               <a:t>‹#›</a:t>
             </a:fld>
             <a:endParaRPr lang="en-US"/>
@@ -2000,7 +1842,7 @@
     </p:spTree>
     <p:extLst>
       <p:ext uri="{BB962C8B-B14F-4D97-AF65-F5344CB8AC3E}">
-        <p14:creationId xmlns:p14="http://schemas.microsoft.com/office/powerpoint/2010/main" val="3589678970"/>
+        <p14:creationId xmlns="" xmlns:a="http://schemas.openxmlformats.org/drawingml/2006/main" xmlns:r="http://schemas.openxmlformats.org/officeDocument/2006/relationships" xmlns:p="http://schemas.openxmlformats.org/presentationml/2006/main" xmlns:p14="http://schemas.microsoft.com/office/powerpoint/2010/main" xmlns:mv="urn:schemas-microsoft-com:mac:vml" xmlns:mc="http://schemas.openxmlformats.org/markup-compatibility/2006" val="3589678970"/>
       </p:ext>
     </p:extLst>
   </p:cSld>
@@ -2011,7 +1853,7 @@
 </file>
 
 <file path=ppt/slideLayouts/slideLayout5.xml><?xml version="1.0" encoding="utf-8"?>
-<p:sldLayout xmlns:a="http://schemas.openxmlformats.org/drawingml/2006/main" xmlns:r="http://schemas.openxmlformats.org/officeDocument/2006/relationships" xmlns:p="http://schemas.openxmlformats.org/presentationml/2006/main" type="twoTxTwoObj" preserve="1">
+<p:sldLayout xmlns:a="http://schemas.openxmlformats.org/drawingml/2006/main" xmlns:r="http://schemas.openxmlformats.org/officeDocument/2006/relationships" xmlns:mc="http://schemas.openxmlformats.org/markup-compatibility/2006" xmlns:mv="urn:schemas-microsoft-com:mac:vml" xmlns:p="http://schemas.openxmlformats.org/presentationml/2006/main" mc:Ignorable="mv" mc:PreserveAttributes="mv:*" type="twoTxTwoObj" preserve="1">
   <p:cSld name="Comparison">
     <p:spTree>
       <p:nvGrpSpPr>
@@ -2371,7 +2213,8 @@
           <a:p>
             <a:fld id="{C98D5743-2D22-457A-82A5-A52DD591458E}" type="datetimeFigureOut">
               <a:rPr lang="en-US" smtClean="0"/>
-              <a:t>2/7/2013</a:t>
+              <a:pPr/>
+              <a:t>9/22/16</a:t>
             </a:fld>
             <a:endParaRPr lang="en-US"/>
           </a:p>
@@ -2413,6 +2256,7 @@
           <a:p>
             <a:fld id="{D9A2F68E-38F3-4B62-B4EC-732585EF9F3C}" type="slidenum">
               <a:rPr lang="en-US" smtClean="0"/>
+              <a:pPr/>
               <a:t>‹#›</a:t>
             </a:fld>
             <a:endParaRPr lang="en-US"/>
@@ -2422,7 +2266,7 @@
     </p:spTree>
     <p:extLst>
       <p:ext uri="{BB962C8B-B14F-4D97-AF65-F5344CB8AC3E}">
-        <p14:creationId xmlns:p14="http://schemas.microsoft.com/office/powerpoint/2010/main" val="684846411"/>
+        <p14:creationId xmlns="" xmlns:a="http://schemas.openxmlformats.org/drawingml/2006/main" xmlns:r="http://schemas.openxmlformats.org/officeDocument/2006/relationships" xmlns:p="http://schemas.openxmlformats.org/presentationml/2006/main" xmlns:p14="http://schemas.microsoft.com/office/powerpoint/2010/main" xmlns:mv="urn:schemas-microsoft-com:mac:vml" xmlns:mc="http://schemas.openxmlformats.org/markup-compatibility/2006" val="684846411"/>
       </p:ext>
     </p:extLst>
   </p:cSld>
@@ -2433,7 +2277,7 @@
 </file>
 
 <file path=ppt/slideLayouts/slideLayout6.xml><?xml version="1.0" encoding="utf-8"?>
-<p:sldLayout xmlns:a="http://schemas.openxmlformats.org/drawingml/2006/main" xmlns:r="http://schemas.openxmlformats.org/officeDocument/2006/relationships" xmlns:p="http://schemas.openxmlformats.org/presentationml/2006/main" type="titleOnly" preserve="1">
+<p:sldLayout xmlns:a="http://schemas.openxmlformats.org/drawingml/2006/main" xmlns:r="http://schemas.openxmlformats.org/officeDocument/2006/relationships" xmlns:mc="http://schemas.openxmlformats.org/markup-compatibility/2006" xmlns:mv="urn:schemas-microsoft-com:mac:vml" xmlns:p="http://schemas.openxmlformats.org/presentationml/2006/main" mc:Ignorable="mv" mc:PreserveAttributes="mv:*" type="titleOnly" preserve="1">
   <p:cSld name="Title Only">
     <p:spTree>
       <p:nvGrpSpPr>
@@ -2489,7 +2333,8 @@
           <a:p>
             <a:fld id="{C98D5743-2D22-457A-82A5-A52DD591458E}" type="datetimeFigureOut">
               <a:rPr lang="en-US" smtClean="0"/>
-              <a:t>2/7/2013</a:t>
+              <a:pPr/>
+              <a:t>9/22/16</a:t>
             </a:fld>
             <a:endParaRPr lang="en-US"/>
           </a:p>
@@ -2531,6 +2376,7 @@
           <a:p>
             <a:fld id="{D9A2F68E-38F3-4B62-B4EC-732585EF9F3C}" type="slidenum">
               <a:rPr lang="en-US" smtClean="0"/>
+              <a:pPr/>
               <a:t>‹#›</a:t>
             </a:fld>
             <a:endParaRPr lang="en-US"/>
@@ -2540,7 +2386,7 @@
     </p:spTree>
     <p:extLst>
       <p:ext uri="{BB962C8B-B14F-4D97-AF65-F5344CB8AC3E}">
-        <p14:creationId xmlns:p14="http://schemas.microsoft.com/office/powerpoint/2010/main" val="1586245615"/>
+        <p14:creationId xmlns="" xmlns:a="http://schemas.openxmlformats.org/drawingml/2006/main" xmlns:r="http://schemas.openxmlformats.org/officeDocument/2006/relationships" xmlns:p="http://schemas.openxmlformats.org/presentationml/2006/main" xmlns:p14="http://schemas.microsoft.com/office/powerpoint/2010/main" xmlns:mv="urn:schemas-microsoft-com:mac:vml" xmlns:mc="http://schemas.openxmlformats.org/markup-compatibility/2006" val="1586245615"/>
       </p:ext>
     </p:extLst>
   </p:cSld>
@@ -2551,7 +2397,7 @@
 </file>
 
 <file path=ppt/slideLayouts/slideLayout7.xml><?xml version="1.0" encoding="utf-8"?>
-<p:sldLayout xmlns:a="http://schemas.openxmlformats.org/drawingml/2006/main" xmlns:r="http://schemas.openxmlformats.org/officeDocument/2006/relationships" xmlns:p="http://schemas.openxmlformats.org/presentationml/2006/main" type="blank" preserve="1">
+<p:sldLayout xmlns:a="http://schemas.openxmlformats.org/drawingml/2006/main" xmlns:r="http://schemas.openxmlformats.org/officeDocument/2006/relationships" xmlns:mc="http://schemas.openxmlformats.org/markup-compatibility/2006" xmlns:mv="urn:schemas-microsoft-com:mac:vml" xmlns:p="http://schemas.openxmlformats.org/presentationml/2006/main" mc:Ignorable="mv" mc:PreserveAttributes="mv:*" type="blank" preserve="1">
   <p:cSld name="Blank">
     <p:spTree>
       <p:nvGrpSpPr>
@@ -2584,7 +2430,8 @@
           <a:p>
             <a:fld id="{C98D5743-2D22-457A-82A5-A52DD591458E}" type="datetimeFigureOut">
               <a:rPr lang="en-US" smtClean="0"/>
-              <a:t>2/7/2013</a:t>
+              <a:pPr/>
+              <a:t>9/22/16</a:t>
             </a:fld>
             <a:endParaRPr lang="en-US"/>
           </a:p>
@@ -2626,6 +2473,7 @@
           <a:p>
             <a:fld id="{D9A2F68E-38F3-4B62-B4EC-732585EF9F3C}" type="slidenum">
               <a:rPr lang="en-US" smtClean="0"/>
+              <a:pPr/>
               <a:t>‹#›</a:t>
             </a:fld>
             <a:endParaRPr lang="en-US"/>
@@ -2635,7 +2483,7 @@
     </p:spTree>
     <p:extLst>
       <p:ext uri="{BB962C8B-B14F-4D97-AF65-F5344CB8AC3E}">
-        <p14:creationId xmlns:p14="http://schemas.microsoft.com/office/powerpoint/2010/main" val="3460893052"/>
+        <p14:creationId xmlns="" xmlns:a="http://schemas.openxmlformats.org/drawingml/2006/main" xmlns:r="http://schemas.openxmlformats.org/officeDocument/2006/relationships" xmlns:p="http://schemas.openxmlformats.org/presentationml/2006/main" xmlns:p14="http://schemas.microsoft.com/office/powerpoint/2010/main" xmlns:mv="urn:schemas-microsoft-com:mac:vml" xmlns:mc="http://schemas.openxmlformats.org/markup-compatibility/2006" val="3460893052"/>
       </p:ext>
     </p:extLst>
   </p:cSld>
@@ -2646,7 +2494,7 @@
 </file>
 
 <file path=ppt/slideLayouts/slideLayout8.xml><?xml version="1.0" encoding="utf-8"?>
-<p:sldLayout xmlns:a="http://schemas.openxmlformats.org/drawingml/2006/main" xmlns:r="http://schemas.openxmlformats.org/officeDocument/2006/relationships" xmlns:p="http://schemas.openxmlformats.org/presentationml/2006/main" type="objTx" preserve="1">
+<p:sldLayout xmlns:a="http://schemas.openxmlformats.org/drawingml/2006/main" xmlns:r="http://schemas.openxmlformats.org/officeDocument/2006/relationships" xmlns:mc="http://schemas.openxmlformats.org/markup-compatibility/2006" xmlns:mv="urn:schemas-microsoft-com:mac:vml" xmlns:p="http://schemas.openxmlformats.org/presentationml/2006/main" mc:Ignorable="mv" mc:PreserveAttributes="mv:*" type="objTx" preserve="1">
   <p:cSld name="Content with Caption">
     <p:spTree>
       <p:nvGrpSpPr>
@@ -2861,7 +2709,8 @@
           <a:p>
             <a:fld id="{C98D5743-2D22-457A-82A5-A52DD591458E}" type="datetimeFigureOut">
               <a:rPr lang="en-US" smtClean="0"/>
-              <a:t>2/7/2013</a:t>
+              <a:pPr/>
+              <a:t>9/22/16</a:t>
             </a:fld>
             <a:endParaRPr lang="en-US"/>
           </a:p>
@@ -2903,6 +2752,7 @@
           <a:p>
             <a:fld id="{D9A2F68E-38F3-4B62-B4EC-732585EF9F3C}" type="slidenum">
               <a:rPr lang="en-US" smtClean="0"/>
+              <a:pPr/>
               <a:t>‹#›</a:t>
             </a:fld>
             <a:endParaRPr lang="en-US"/>
@@ -2912,7 +2762,7 @@
     </p:spTree>
     <p:extLst>
       <p:ext uri="{BB962C8B-B14F-4D97-AF65-F5344CB8AC3E}">
-        <p14:creationId xmlns:p14="http://schemas.microsoft.com/office/powerpoint/2010/main" val="336230614"/>
+        <p14:creationId xmlns="" xmlns:a="http://schemas.openxmlformats.org/drawingml/2006/main" xmlns:r="http://schemas.openxmlformats.org/officeDocument/2006/relationships" xmlns:p="http://schemas.openxmlformats.org/presentationml/2006/main" xmlns:p14="http://schemas.microsoft.com/office/powerpoint/2010/main" xmlns:mv="urn:schemas-microsoft-com:mac:vml" xmlns:mc="http://schemas.openxmlformats.org/markup-compatibility/2006" val="336230614"/>
       </p:ext>
     </p:extLst>
   </p:cSld>
@@ -2923,7 +2773,7 @@
 </file>
 
 <file path=ppt/slideLayouts/slideLayout9.xml><?xml version="1.0" encoding="utf-8"?>
-<p:sldLayout xmlns:a="http://schemas.openxmlformats.org/drawingml/2006/main" xmlns:r="http://schemas.openxmlformats.org/officeDocument/2006/relationships" xmlns:p="http://schemas.openxmlformats.org/presentationml/2006/main" type="picTx" preserve="1">
+<p:sldLayout xmlns:a="http://schemas.openxmlformats.org/drawingml/2006/main" xmlns:r="http://schemas.openxmlformats.org/officeDocument/2006/relationships" xmlns:mc="http://schemas.openxmlformats.org/markup-compatibility/2006" xmlns:mv="urn:schemas-microsoft-com:mac:vml" xmlns:p="http://schemas.openxmlformats.org/presentationml/2006/main" mc:Ignorable="mv" mc:PreserveAttributes="mv:*" type="picTx" preserve="1">
   <p:cSld name="Picture with Caption">
     <p:spTree>
       <p:nvGrpSpPr>
@@ -3114,7 +2964,8 @@
           <a:p>
             <a:fld id="{C98D5743-2D22-457A-82A5-A52DD591458E}" type="datetimeFigureOut">
               <a:rPr lang="en-US" smtClean="0"/>
-              <a:t>2/7/2013</a:t>
+              <a:pPr/>
+              <a:t>9/22/16</a:t>
             </a:fld>
             <a:endParaRPr lang="en-US"/>
           </a:p>
@@ -3156,6 +3007,7 @@
           <a:p>
             <a:fld id="{D9A2F68E-38F3-4B62-B4EC-732585EF9F3C}" type="slidenum">
               <a:rPr lang="en-US" smtClean="0"/>
+              <a:pPr/>
               <a:t>‹#›</a:t>
             </a:fld>
             <a:endParaRPr lang="en-US"/>
@@ -3165,7 +3017,7 @@
     </p:spTree>
     <p:extLst>
       <p:ext uri="{BB962C8B-B14F-4D97-AF65-F5344CB8AC3E}">
-        <p14:creationId xmlns:p14="http://schemas.microsoft.com/office/powerpoint/2010/main" val="3791435222"/>
+        <p14:creationId xmlns="" xmlns:a="http://schemas.openxmlformats.org/drawingml/2006/main" xmlns:r="http://schemas.openxmlformats.org/officeDocument/2006/relationships" xmlns:p="http://schemas.openxmlformats.org/presentationml/2006/main" xmlns:p14="http://schemas.microsoft.com/office/powerpoint/2010/main" xmlns:mv="urn:schemas-microsoft-com:mac:vml" xmlns:mc="http://schemas.openxmlformats.org/markup-compatibility/2006" val="3791435222"/>
       </p:ext>
     </p:extLst>
   </p:cSld>
@@ -3176,7 +3028,7 @@
 </file>
 
 <file path=ppt/slideMasters/slideMaster1.xml><?xml version="1.0" encoding="utf-8"?>
-<p:sldMaster xmlns:a="http://schemas.openxmlformats.org/drawingml/2006/main" xmlns:r="http://schemas.openxmlformats.org/officeDocument/2006/relationships" xmlns:p="http://schemas.openxmlformats.org/presentationml/2006/main">
+<p:sldMaster xmlns:a="http://schemas.openxmlformats.org/drawingml/2006/main" xmlns:r="http://schemas.openxmlformats.org/officeDocument/2006/relationships" xmlns:mc="http://schemas.openxmlformats.org/markup-compatibility/2006" xmlns:mv="urn:schemas-microsoft-com:mac:vml" xmlns:p="http://schemas.openxmlformats.org/presentationml/2006/main" mc:Ignorable="mv" mc:PreserveAttributes="mv:*">
   <p:cSld>
     <p:bg>
       <p:bgRef idx="1001">
@@ -3327,7 +3179,8 @@
           <a:p>
             <a:fld id="{C98D5743-2D22-457A-82A5-A52DD591458E}" type="datetimeFigureOut">
               <a:rPr lang="en-US" smtClean="0"/>
-              <a:t>2/7/2013</a:t>
+              <a:pPr/>
+              <a:t>9/22/16</a:t>
             </a:fld>
             <a:endParaRPr lang="en-US"/>
           </a:p>
@@ -3405,6 +3258,7 @@
           <a:p>
             <a:fld id="{D9A2F68E-38F3-4B62-B4EC-732585EF9F3C}" type="slidenum">
               <a:rPr lang="en-US" smtClean="0"/>
+              <a:pPr/>
               <a:t>‹#›</a:t>
             </a:fld>
             <a:endParaRPr lang="en-US"/>
@@ -3414,7 +3268,7 @@
     </p:spTree>
     <p:extLst>
       <p:ext uri="{BB962C8B-B14F-4D97-AF65-F5344CB8AC3E}">
-        <p14:creationId xmlns:p14="http://schemas.microsoft.com/office/powerpoint/2010/main" val="905927907"/>
+        <p14:creationId xmlns="" xmlns:a="http://schemas.openxmlformats.org/drawingml/2006/main" xmlns:r="http://schemas.openxmlformats.org/officeDocument/2006/relationships" xmlns:p="http://schemas.openxmlformats.org/presentationml/2006/main" xmlns:p14="http://schemas.microsoft.com/office/powerpoint/2010/main" xmlns:mv="urn:schemas-microsoft-com:mac:vml" xmlns:mc="http://schemas.openxmlformats.org/markup-compatibility/2006" val="905927907"/>
       </p:ext>
     </p:extLst>
   </p:cSld>
@@ -3686,7 +3540,7 @@
 </file>
 
 <file path=ppt/slides/slide1.xml><?xml version="1.0" encoding="utf-8"?>
-<p:sld xmlns:a="http://schemas.openxmlformats.org/drawingml/2006/main" xmlns:r="http://schemas.openxmlformats.org/officeDocument/2006/relationships" xmlns:p="http://schemas.openxmlformats.org/presentationml/2006/main">
+<p:sld xmlns:a="http://schemas.openxmlformats.org/drawingml/2006/main" xmlns:r="http://schemas.openxmlformats.org/officeDocument/2006/relationships" xmlns:mc="http://schemas.openxmlformats.org/markup-compatibility/2006" xmlns:mv="urn:schemas-microsoft-com:mac:vml" xmlns:p="http://schemas.openxmlformats.org/presentationml/2006/main" mc:Ignorable="mv" mc:PreserveAttributes="mv:*">
   <p:cSld>
     <p:spTree>
       <p:nvGrpSpPr>
@@ -3702,775 +3556,1906 @@
           <a:chExt cx="0" cy="0"/>
         </a:xfrm>
       </p:grpSpPr>
-      <p:pic>
-        <p:nvPicPr>
-          <p:cNvPr id="3" name="Picture 2"/>
-          <p:cNvPicPr>
-            <a:picLocks noChangeAspect="1"/>
-          </p:cNvPicPr>
-          <p:nvPr/>
-        </p:nvPicPr>
-        <p:blipFill>
-          <a:blip r:embed="rId3">
-            <a:extLst>
-              <a:ext uri="{28A0092B-C50C-407E-A947-70E740481C1C}">
-                <a14:useLocalDpi xmlns:a14="http://schemas.microsoft.com/office/drawing/2010/main" val="0"/>
-              </a:ext>
-            </a:extLst>
-          </a:blip>
-          <a:stretch>
-            <a:fillRect/>
-          </a:stretch>
-        </p:blipFill>
+      <p:sp>
+        <p:nvSpPr>
+          <p:cNvPr id="2" name="Title 1"/>
+          <p:cNvSpPr>
+            <a:spLocks noGrp="1"/>
+          </p:cNvSpPr>
+          <p:nvPr>
+            <p:ph type="title"/>
+          </p:nvPr>
+        </p:nvSpPr>
+        <p:spPr/>
+        <p:txBody>
+          <a:bodyPr/>
+          <a:lstStyle/>
+          <a:p>
+            <a:r>
+              <a:rPr lang="en-US" dirty="0" smtClean="0"/>
+              <a:t>Hangman Pseudo Code</a:t>
+            </a:r>
+            <a:endParaRPr lang="en-US" dirty="0"/>
+          </a:p>
+        </p:txBody>
+      </p:sp>
+      <p:sp>
+        <p:nvSpPr>
+          <p:cNvPr id="3" name="Content Placeholder 2"/>
+          <p:cNvSpPr>
+            <a:spLocks noGrp="1"/>
+          </p:cNvSpPr>
+          <p:nvPr>
+            <p:ph idx="1"/>
+          </p:nvPr>
+        </p:nvSpPr>
         <p:spPr>
           <a:xfrm>
-            <a:off x="1828800" y="35785"/>
-            <a:ext cx="5181600" cy="6669815"/>
+            <a:off x="457200" y="1600201"/>
+            <a:ext cx="8229600" cy="1447799"/>
+          </a:xfrm>
+        </p:spPr>
+        <p:txBody>
+          <a:bodyPr>
+            <a:normAutofit fontScale="92500" lnSpcReduction="10000"/>
+          </a:bodyPr>
+          <a:lstStyle/>
+          <a:p>
+            <a:pPr>
+              <a:buNone/>
+            </a:pPr>
+            <a:r>
+              <a:rPr lang="en-US" sz="1000" dirty="0" smtClean="0">
+                <a:solidFill>
+                  <a:srgbClr val="3366FF"/>
+                </a:solidFill>
+              </a:rPr>
+              <a:t>#Initialize some variables and set default values if needed</a:t>
+            </a:r>
+          </a:p>
+          <a:p>
+            <a:pPr>
+              <a:buNone/>
+            </a:pPr>
+            <a:r>
+              <a:rPr lang="en-US" sz="1000" dirty="0" smtClean="0"/>
+              <a:t>guesses = ""</a:t>
+            </a:r>
+          </a:p>
+          <a:p>
+            <a:pPr>
+              <a:buNone/>
+            </a:pPr>
+            <a:r>
+              <a:rPr lang="en-US" sz="1000" dirty="0" smtClean="0"/>
+              <a:t>name =  ""</a:t>
+            </a:r>
+          </a:p>
+          <a:p>
+            <a:pPr>
+              <a:buNone/>
+            </a:pPr>
+            <a:r>
+              <a:rPr lang="en-US" sz="1000" dirty="0" smtClean="0">
+                <a:solidFill>
+                  <a:srgbClr val="3366FF"/>
+                </a:solidFill>
+              </a:rPr>
+              <a:t>#number of turns before you lose</a:t>
+            </a:r>
+          </a:p>
+          <a:p>
+            <a:pPr>
+              <a:buNone/>
+            </a:pPr>
+            <a:r>
+              <a:rPr lang="en-US" sz="1000" dirty="0" smtClean="0"/>
+              <a:t>turns = 10</a:t>
+            </a:r>
+          </a:p>
+          <a:p>
+            <a:pPr>
+              <a:buNone/>
+            </a:pPr>
+            <a:r>
+              <a:rPr lang="en-US" sz="1000" dirty="0" smtClean="0">
+                <a:solidFill>
+                  <a:srgbClr val="3366FF"/>
+                </a:solidFill>
+              </a:rPr>
+              <a:t>#set the value of the secret word</a:t>
+            </a:r>
+          </a:p>
+          <a:p>
+            <a:pPr>
+              <a:buNone/>
+            </a:pPr>
+            <a:r>
+              <a:rPr lang="en-US" sz="1000" dirty="0" smtClean="0"/>
+              <a:t>word = secret</a:t>
+            </a:r>
+          </a:p>
+          <a:p>
+            <a:pPr>
+              <a:buNone/>
+            </a:pPr>
+            <a:r>
+              <a:rPr lang="en-US" sz="1000" dirty="0" smtClean="0">
+                <a:solidFill>
+                  <a:srgbClr val="3366FF"/>
+                </a:solidFill>
+              </a:rPr>
+              <a:t># variable for fail</a:t>
+            </a:r>
+          </a:p>
+          <a:p>
+            <a:pPr>
+              <a:buNone/>
+            </a:pPr>
+            <a:r>
+              <a:rPr lang="en-US" sz="1000" dirty="0" smtClean="0"/>
+              <a:t>failed = 0</a:t>
+            </a:r>
+            <a:endParaRPr lang="en-US" sz="1000" dirty="0">
+              <a:solidFill>
+                <a:srgbClr val="3366FF"/>
+              </a:solidFill>
+            </a:endParaRPr>
+          </a:p>
+        </p:txBody>
+      </p:sp>
+      <p:sp>
+        <p:nvSpPr>
+          <p:cNvPr id="5" name="Right Brace 4"/>
+          <p:cNvSpPr/>
+          <p:nvPr/>
+        </p:nvSpPr>
+        <p:spPr>
+          <a:xfrm>
+            <a:off x="4038600" y="3733800"/>
+            <a:ext cx="304800" cy="1981200"/>
+          </a:xfrm>
+          <a:prstGeom prst="rightBrace">
+            <a:avLst/>
+          </a:prstGeom>
+          <a:ln/>
+        </p:spPr>
+        <p:style>
+          <a:lnRef idx="2">
+            <a:schemeClr val="accent1"/>
+          </a:lnRef>
+          <a:fillRef idx="0">
+            <a:schemeClr val="accent1"/>
+          </a:fillRef>
+          <a:effectRef idx="1">
+            <a:schemeClr val="accent1"/>
+          </a:effectRef>
+          <a:fontRef idx="minor">
+            <a:schemeClr val="tx1"/>
+          </a:fontRef>
+        </p:style>
+      </p:sp>
+      <p:sp>
+        <p:nvSpPr>
+          <p:cNvPr id="6" name="Right Brace 5"/>
+          <p:cNvSpPr/>
+          <p:nvPr/>
+        </p:nvSpPr>
+        <p:spPr>
+          <a:xfrm>
+            <a:off x="2209800" y="4038600"/>
+            <a:ext cx="304800" cy="838200"/>
+          </a:xfrm>
+          <a:prstGeom prst="rightBrace">
+            <a:avLst>
+              <a:gd name="adj1" fmla="val 4166"/>
+              <a:gd name="adj2" fmla="val 50000"/>
+            </a:avLst>
+          </a:prstGeom>
+          <a:ln/>
+        </p:spPr>
+        <p:style>
+          <a:lnRef idx="2">
+            <a:schemeClr val="accent1"/>
+          </a:lnRef>
+          <a:fillRef idx="0">
+            <a:schemeClr val="accent1"/>
+          </a:fillRef>
+          <a:effectRef idx="1">
+            <a:schemeClr val="accent1"/>
+          </a:effectRef>
+          <a:fontRef idx="minor">
+            <a:schemeClr val="tx1"/>
+          </a:fontRef>
+        </p:style>
+      </p:sp>
+      <p:sp>
+        <p:nvSpPr>
+          <p:cNvPr id="9" name="Rectangle 8"/>
+          <p:cNvSpPr/>
+          <p:nvPr/>
+        </p:nvSpPr>
+        <p:spPr>
+          <a:xfrm>
+            <a:off x="4419600" y="4572000"/>
+            <a:ext cx="942010" cy="276999"/>
           </a:xfrm>
           <a:prstGeom prst="rect">
             <a:avLst/>
           </a:prstGeom>
-          <a:ln>
-            <a:noFill/>
-          </a:ln>
-          <a:effectLst>
-            <a:outerShdw blurRad="292100" dist="139700" dir="2700000" algn="tl" rotWithShape="0">
-              <a:srgbClr val="333333">
-                <a:alpha val="65000"/>
-              </a:srgbClr>
-            </a:outerShdw>
-          </a:effectLst>
+          <a:noFill/>
         </p:spPr>
-      </p:pic>
+        <p:txBody>
+          <a:bodyPr wrap="square" lIns="91440" tIns="45720" rIns="91440" bIns="45720">
+            <a:spAutoFit/>
+          </a:bodyPr>
+          <a:lstStyle/>
+          <a:p>
+            <a:pPr algn="ctr"/>
+            <a:r>
+              <a:rPr lang="en-US" sz="1200" b="1" cap="all" spc="0" dirty="0" smtClean="0">
+                <a:ln w="9000" cmpd="sng">
+                  <a:solidFill>
+                    <a:schemeClr val="accent4">
+                      <a:shade val="50000"/>
+                      <a:satMod val="120000"/>
+                    </a:schemeClr>
+                  </a:solidFill>
+                  <a:prstDash val="solid"/>
+                </a:ln>
+                <a:gradFill>
+                  <a:gsLst>
+                    <a:gs pos="0">
+                      <a:schemeClr val="accent4">
+                        <a:shade val="20000"/>
+                        <a:satMod val="245000"/>
+                      </a:schemeClr>
+                    </a:gs>
+                    <a:gs pos="43000">
+                      <a:schemeClr val="accent4">
+                        <a:satMod val="255000"/>
+                      </a:schemeClr>
+                    </a:gs>
+                    <a:gs pos="48000">
+                      <a:schemeClr val="accent4">
+                        <a:shade val="85000"/>
+                        <a:satMod val="255000"/>
+                      </a:schemeClr>
+                    </a:gs>
+                    <a:gs pos="100000">
+                      <a:schemeClr val="accent4">
+                        <a:shade val="20000"/>
+                        <a:satMod val="245000"/>
+                      </a:schemeClr>
+                    </a:gs>
+                  </a:gsLst>
+                  <a:lin ang="5400000"/>
+                </a:gradFill>
+                <a:effectLst>
+                  <a:reflection blurRad="12700" stA="28000" endPos="45000" dist="1000" dir="5400000" sy="-100000" algn="bl" rotWithShape="0"/>
+                </a:effectLst>
+              </a:rPr>
+              <a:t>Main loop</a:t>
+            </a:r>
+            <a:endParaRPr lang="en-US" sz="1200" b="1" cap="all" spc="0" dirty="0">
+              <a:ln w="9000" cmpd="sng">
+                <a:solidFill>
+                  <a:schemeClr val="accent4">
+                    <a:shade val="50000"/>
+                    <a:satMod val="120000"/>
+                  </a:schemeClr>
+                </a:solidFill>
+                <a:prstDash val="solid"/>
+              </a:ln>
+              <a:gradFill>
+                <a:gsLst>
+                  <a:gs pos="0">
+                    <a:schemeClr val="accent4">
+                      <a:shade val="20000"/>
+                      <a:satMod val="245000"/>
+                    </a:schemeClr>
+                  </a:gs>
+                  <a:gs pos="43000">
+                    <a:schemeClr val="accent4">
+                      <a:satMod val="255000"/>
+                    </a:schemeClr>
+                  </a:gs>
+                  <a:gs pos="48000">
+                    <a:schemeClr val="accent4">
+                      <a:shade val="85000"/>
+                      <a:satMod val="255000"/>
+                    </a:schemeClr>
+                  </a:gs>
+                  <a:gs pos="100000">
+                    <a:schemeClr val="accent4">
+                      <a:shade val="20000"/>
+                      <a:satMod val="245000"/>
+                    </a:schemeClr>
+                  </a:gs>
+                </a:gsLst>
+                <a:lin ang="5400000"/>
+              </a:gradFill>
+              <a:effectLst>
+                <a:reflection blurRad="12700" stA="28000" endPos="45000" dist="1000" dir="5400000" sy="-100000" algn="bl" rotWithShape="0"/>
+              </a:effectLst>
+            </a:endParaRPr>
+          </a:p>
+        </p:txBody>
+      </p:sp>
+      <p:sp>
+        <p:nvSpPr>
+          <p:cNvPr id="10" name="Rectangle 9"/>
+          <p:cNvSpPr/>
+          <p:nvPr/>
+        </p:nvSpPr>
+        <p:spPr>
+          <a:xfrm>
+            <a:off x="2590800" y="4343400"/>
+            <a:ext cx="1143000" cy="276999"/>
+          </a:xfrm>
+          <a:prstGeom prst="rect">
+            <a:avLst/>
+          </a:prstGeom>
+          <a:noFill/>
+        </p:spPr>
+        <p:txBody>
+          <a:bodyPr wrap="square" lIns="91440" tIns="45720" rIns="91440" bIns="45720">
+            <a:spAutoFit/>
+          </a:bodyPr>
+          <a:lstStyle/>
+          <a:p>
+            <a:pPr algn="ctr"/>
+            <a:r>
+              <a:rPr lang="en-US" sz="1200" b="1" cap="all" dirty="0" smtClean="0">
+                <a:ln w="9000" cmpd="sng">
+                  <a:solidFill>
+                    <a:schemeClr val="accent4">
+                      <a:shade val="50000"/>
+                      <a:satMod val="120000"/>
+                    </a:schemeClr>
+                  </a:solidFill>
+                  <a:prstDash val="solid"/>
+                </a:ln>
+                <a:gradFill>
+                  <a:gsLst>
+                    <a:gs pos="0">
+                      <a:schemeClr val="accent4">
+                        <a:shade val="20000"/>
+                        <a:satMod val="245000"/>
+                      </a:schemeClr>
+                    </a:gs>
+                    <a:gs pos="43000">
+                      <a:schemeClr val="accent4">
+                        <a:satMod val="255000"/>
+                      </a:schemeClr>
+                    </a:gs>
+                    <a:gs pos="48000">
+                      <a:schemeClr val="accent4">
+                        <a:shade val="85000"/>
+                        <a:satMod val="255000"/>
+                      </a:schemeClr>
+                    </a:gs>
+                    <a:gs pos="100000">
+                      <a:schemeClr val="accent4">
+                        <a:shade val="20000"/>
+                        <a:satMod val="245000"/>
+                      </a:schemeClr>
+                    </a:gs>
+                  </a:gsLst>
+                  <a:lin ang="5400000"/>
+                </a:gradFill>
+                <a:effectLst>
+                  <a:reflection blurRad="12700" stA="28000" endPos="45000" dist="1000" dir="5400000" sy="-100000" algn="bl" rotWithShape="0"/>
+                </a:effectLst>
+              </a:rPr>
+              <a:t>Check Guess</a:t>
+            </a:r>
+            <a:endParaRPr lang="en-US" sz="1200" b="1" cap="all" spc="0" dirty="0">
+              <a:ln w="9000" cmpd="sng">
+                <a:solidFill>
+                  <a:schemeClr val="accent4">
+                    <a:shade val="50000"/>
+                    <a:satMod val="120000"/>
+                  </a:schemeClr>
+                </a:solidFill>
+                <a:prstDash val="solid"/>
+              </a:ln>
+              <a:gradFill>
+                <a:gsLst>
+                  <a:gs pos="0">
+                    <a:schemeClr val="accent4">
+                      <a:shade val="20000"/>
+                      <a:satMod val="245000"/>
+                    </a:schemeClr>
+                  </a:gs>
+                  <a:gs pos="43000">
+                    <a:schemeClr val="accent4">
+                      <a:satMod val="255000"/>
+                    </a:schemeClr>
+                  </a:gs>
+                  <a:gs pos="48000">
+                    <a:schemeClr val="accent4">
+                      <a:shade val="85000"/>
+                      <a:satMod val="255000"/>
+                    </a:schemeClr>
+                  </a:gs>
+                  <a:gs pos="100000">
+                    <a:schemeClr val="accent4">
+                      <a:shade val="20000"/>
+                      <a:satMod val="245000"/>
+                    </a:schemeClr>
+                  </a:gs>
+                </a:gsLst>
+                <a:lin ang="5400000"/>
+              </a:gradFill>
+              <a:effectLst>
+                <a:reflection blurRad="12700" stA="28000" endPos="45000" dist="1000" dir="5400000" sy="-100000" algn="bl" rotWithShape="0"/>
+              </a:effectLst>
+            </a:endParaRPr>
+          </a:p>
+        </p:txBody>
+      </p:sp>
+      <p:sp>
+        <p:nvSpPr>
+          <p:cNvPr id="11" name="Right Brace 10"/>
+          <p:cNvSpPr/>
+          <p:nvPr/>
+        </p:nvSpPr>
+        <p:spPr>
+          <a:xfrm>
+            <a:off x="2209800" y="5029200"/>
+            <a:ext cx="304800" cy="533400"/>
+          </a:xfrm>
+          <a:prstGeom prst="rightBrace">
+            <a:avLst>
+              <a:gd name="adj1" fmla="val 4166"/>
+              <a:gd name="adj2" fmla="val 50000"/>
+            </a:avLst>
+          </a:prstGeom>
+          <a:ln/>
+        </p:spPr>
+        <p:style>
+          <a:lnRef idx="2">
+            <a:schemeClr val="accent1"/>
+          </a:lnRef>
+          <a:fillRef idx="0">
+            <a:schemeClr val="accent1"/>
+          </a:fillRef>
+          <a:effectRef idx="1">
+            <a:schemeClr val="accent1"/>
+          </a:effectRef>
+          <a:fontRef idx="minor">
+            <a:schemeClr val="tx1"/>
+          </a:fontRef>
+        </p:style>
+      </p:sp>
+      <p:sp>
+        <p:nvSpPr>
+          <p:cNvPr id="12" name="Rectangle 11"/>
+          <p:cNvSpPr/>
+          <p:nvPr/>
+        </p:nvSpPr>
+        <p:spPr>
+          <a:xfrm>
+            <a:off x="2590800" y="5181600"/>
+            <a:ext cx="1371600" cy="276999"/>
+          </a:xfrm>
+          <a:prstGeom prst="rect">
+            <a:avLst/>
+          </a:prstGeom>
+          <a:noFill/>
+        </p:spPr>
+        <p:txBody>
+          <a:bodyPr wrap="square" lIns="91440" tIns="45720" rIns="91440" bIns="45720">
+            <a:spAutoFit/>
+          </a:bodyPr>
+          <a:lstStyle/>
+          <a:p>
+            <a:pPr algn="ctr"/>
+            <a:r>
+              <a:rPr lang="en-US" sz="1200" b="1" cap="all" dirty="0" smtClean="0">
+                <a:ln w="9000" cmpd="sng">
+                  <a:solidFill>
+                    <a:schemeClr val="accent4">
+                      <a:shade val="50000"/>
+                      <a:satMod val="120000"/>
+                    </a:schemeClr>
+                  </a:solidFill>
+                  <a:prstDash val="solid"/>
+                </a:ln>
+                <a:gradFill>
+                  <a:gsLst>
+                    <a:gs pos="0">
+                      <a:schemeClr val="accent4">
+                        <a:shade val="20000"/>
+                        <a:satMod val="245000"/>
+                      </a:schemeClr>
+                    </a:gs>
+                    <a:gs pos="43000">
+                      <a:schemeClr val="accent4">
+                        <a:satMod val="255000"/>
+                      </a:schemeClr>
+                    </a:gs>
+                    <a:gs pos="48000">
+                      <a:schemeClr val="accent4">
+                        <a:shade val="85000"/>
+                        <a:satMod val="255000"/>
+                      </a:schemeClr>
+                    </a:gs>
+                    <a:gs pos="100000">
+                      <a:schemeClr val="accent4">
+                        <a:shade val="20000"/>
+                        <a:satMod val="245000"/>
+                      </a:schemeClr>
+                    </a:gs>
+                  </a:gsLst>
+                  <a:lin ang="5400000"/>
+                </a:gradFill>
+                <a:effectLst>
+                  <a:reflection blurRad="12700" stA="28000" endPos="45000" dist="1000" dir="5400000" sy="-100000" algn="bl" rotWithShape="0"/>
+                </a:effectLst>
+              </a:rPr>
+              <a:t>Check if winner</a:t>
+            </a:r>
+            <a:endParaRPr lang="en-US" sz="1200" b="1" cap="all" spc="0" dirty="0">
+              <a:ln w="9000" cmpd="sng">
+                <a:solidFill>
+                  <a:schemeClr val="accent4">
+                    <a:shade val="50000"/>
+                    <a:satMod val="120000"/>
+                  </a:schemeClr>
+                </a:solidFill>
+                <a:prstDash val="solid"/>
+              </a:ln>
+              <a:gradFill>
+                <a:gsLst>
+                  <a:gs pos="0">
+                    <a:schemeClr val="accent4">
+                      <a:shade val="20000"/>
+                      <a:satMod val="245000"/>
+                    </a:schemeClr>
+                  </a:gs>
+                  <a:gs pos="43000">
+                    <a:schemeClr val="accent4">
+                      <a:satMod val="255000"/>
+                    </a:schemeClr>
+                  </a:gs>
+                  <a:gs pos="48000">
+                    <a:schemeClr val="accent4">
+                      <a:shade val="85000"/>
+                      <a:satMod val="255000"/>
+                    </a:schemeClr>
+                  </a:gs>
+                  <a:gs pos="100000">
+                    <a:schemeClr val="accent4">
+                      <a:shade val="20000"/>
+                      <a:satMod val="245000"/>
+                    </a:schemeClr>
+                  </a:gs>
+                </a:gsLst>
+                <a:lin ang="5400000"/>
+              </a:gradFill>
+              <a:effectLst>
+                <a:reflection blurRad="12700" stA="28000" endPos="45000" dist="1000" dir="5400000" sy="-100000" algn="bl" rotWithShape="0"/>
+              </a:effectLst>
+            </a:endParaRPr>
+          </a:p>
+        </p:txBody>
+      </p:sp>
+      <p:sp>
+        <p:nvSpPr>
+          <p:cNvPr id="13" name="Right Brace 12"/>
+          <p:cNvSpPr/>
+          <p:nvPr/>
+        </p:nvSpPr>
+        <p:spPr>
+          <a:xfrm>
+            <a:off x="4572000" y="1676400"/>
+            <a:ext cx="304800" cy="1295400"/>
+          </a:xfrm>
+          <a:prstGeom prst="rightBrace">
+            <a:avLst/>
+          </a:prstGeom>
+          <a:ln/>
+        </p:spPr>
+        <p:style>
+          <a:lnRef idx="2">
+            <a:schemeClr val="accent1"/>
+          </a:lnRef>
+          <a:fillRef idx="0">
+            <a:schemeClr val="accent1"/>
+          </a:fillRef>
+          <a:effectRef idx="1">
+            <a:schemeClr val="accent1"/>
+          </a:effectRef>
+          <a:fontRef idx="minor">
+            <a:schemeClr val="tx1"/>
+          </a:fontRef>
+        </p:style>
+      </p:sp>
+      <p:sp>
+        <p:nvSpPr>
+          <p:cNvPr id="14" name="Rectangle 13"/>
+          <p:cNvSpPr/>
+          <p:nvPr/>
+        </p:nvSpPr>
+        <p:spPr>
+          <a:xfrm>
+            <a:off x="5105400" y="2209800"/>
+            <a:ext cx="1828800" cy="276999"/>
+          </a:xfrm>
+          <a:prstGeom prst="rect">
+            <a:avLst/>
+          </a:prstGeom>
+          <a:noFill/>
+        </p:spPr>
+        <p:txBody>
+          <a:bodyPr wrap="square" lIns="91440" tIns="45720" rIns="91440" bIns="45720">
+            <a:spAutoFit/>
+          </a:bodyPr>
+          <a:lstStyle/>
+          <a:p>
+            <a:pPr algn="ctr"/>
+            <a:r>
+              <a:rPr lang="en-US" sz="1200" b="1" cap="all" dirty="0" smtClean="0">
+                <a:ln w="9000" cmpd="sng">
+                  <a:solidFill>
+                    <a:schemeClr val="accent4">
+                      <a:shade val="50000"/>
+                      <a:satMod val="120000"/>
+                    </a:schemeClr>
+                  </a:solidFill>
+                  <a:prstDash val="solid"/>
+                </a:ln>
+                <a:gradFill>
+                  <a:gsLst>
+                    <a:gs pos="0">
+                      <a:schemeClr val="accent4">
+                        <a:shade val="20000"/>
+                        <a:satMod val="245000"/>
+                      </a:schemeClr>
+                    </a:gs>
+                    <a:gs pos="43000">
+                      <a:schemeClr val="accent4">
+                        <a:satMod val="255000"/>
+                      </a:schemeClr>
+                    </a:gs>
+                    <a:gs pos="48000">
+                      <a:schemeClr val="accent4">
+                        <a:shade val="85000"/>
+                        <a:satMod val="255000"/>
+                      </a:schemeClr>
+                    </a:gs>
+                    <a:gs pos="100000">
+                      <a:schemeClr val="accent4">
+                        <a:shade val="20000"/>
+                        <a:satMod val="245000"/>
+                      </a:schemeClr>
+                    </a:gs>
+                  </a:gsLst>
+                  <a:lin ang="5400000"/>
+                </a:gradFill>
+                <a:effectLst>
+                  <a:reflection blurRad="12700" stA="28000" endPos="45000" dist="1000" dir="5400000" sy="-100000" algn="bl" rotWithShape="0"/>
+                </a:effectLst>
+              </a:rPr>
+              <a:t>Init some  variables</a:t>
+            </a:r>
+            <a:endParaRPr lang="en-US" sz="1200" b="1" cap="all" spc="0" dirty="0">
+              <a:ln w="9000" cmpd="sng">
+                <a:solidFill>
+                  <a:schemeClr val="accent4">
+                    <a:shade val="50000"/>
+                    <a:satMod val="120000"/>
+                  </a:schemeClr>
+                </a:solidFill>
+                <a:prstDash val="solid"/>
+              </a:ln>
+              <a:gradFill>
+                <a:gsLst>
+                  <a:gs pos="0">
+                    <a:schemeClr val="accent4">
+                      <a:shade val="20000"/>
+                      <a:satMod val="245000"/>
+                    </a:schemeClr>
+                  </a:gs>
+                  <a:gs pos="43000">
+                    <a:schemeClr val="accent4">
+                      <a:satMod val="255000"/>
+                    </a:schemeClr>
+                  </a:gs>
+                  <a:gs pos="48000">
+                    <a:schemeClr val="accent4">
+                      <a:shade val="85000"/>
+                      <a:satMod val="255000"/>
+                    </a:schemeClr>
+                  </a:gs>
+                  <a:gs pos="100000">
+                    <a:schemeClr val="accent4">
+                      <a:shade val="20000"/>
+                      <a:satMod val="245000"/>
+                    </a:schemeClr>
+                  </a:gs>
+                </a:gsLst>
+                <a:lin ang="5400000"/>
+              </a:gradFill>
+              <a:effectLst>
+                <a:reflection blurRad="12700" stA="28000" endPos="45000" dist="1000" dir="5400000" sy="-100000" algn="bl" rotWithShape="0"/>
+              </a:effectLst>
+            </a:endParaRPr>
+          </a:p>
+        </p:txBody>
+      </p:sp>
+      <p:sp>
+        <p:nvSpPr>
+          <p:cNvPr id="15" name="Right Brace 14"/>
+          <p:cNvSpPr/>
+          <p:nvPr/>
+        </p:nvSpPr>
+        <p:spPr>
+          <a:xfrm>
+            <a:off x="2971800" y="2971800"/>
+            <a:ext cx="228600" cy="762000"/>
+          </a:xfrm>
+          <a:prstGeom prst="rightBrace">
+            <a:avLst/>
+          </a:prstGeom>
+          <a:ln/>
+        </p:spPr>
+        <p:style>
+          <a:lnRef idx="2">
+            <a:schemeClr val="accent1"/>
+          </a:lnRef>
+          <a:fillRef idx="0">
+            <a:schemeClr val="accent1"/>
+          </a:fillRef>
+          <a:effectRef idx="1">
+            <a:schemeClr val="accent1"/>
+          </a:effectRef>
+          <a:fontRef idx="minor">
+            <a:schemeClr val="tx1"/>
+          </a:fontRef>
+        </p:style>
+      </p:sp>
+      <p:sp>
+        <p:nvSpPr>
+          <p:cNvPr id="16" name="Rectangle 15"/>
+          <p:cNvSpPr/>
+          <p:nvPr/>
+        </p:nvSpPr>
+        <p:spPr>
+          <a:xfrm>
+            <a:off x="3352800" y="3276600"/>
+            <a:ext cx="1828800" cy="276999"/>
+          </a:xfrm>
+          <a:prstGeom prst="rect">
+            <a:avLst/>
+          </a:prstGeom>
+          <a:noFill/>
+        </p:spPr>
+        <p:txBody>
+          <a:bodyPr wrap="square" lIns="91440" tIns="45720" rIns="91440" bIns="45720">
+            <a:spAutoFit/>
+          </a:bodyPr>
+          <a:lstStyle/>
+          <a:p>
+            <a:pPr algn="ctr"/>
+            <a:r>
+              <a:rPr lang="en-US" sz="1200" b="1" cap="all" dirty="0" smtClean="0">
+                <a:ln w="9000" cmpd="sng">
+                  <a:solidFill>
+                    <a:schemeClr val="accent4">
+                      <a:shade val="50000"/>
+                      <a:satMod val="120000"/>
+                    </a:schemeClr>
+                  </a:solidFill>
+                  <a:prstDash val="solid"/>
+                </a:ln>
+                <a:gradFill>
+                  <a:gsLst>
+                    <a:gs pos="0">
+                      <a:schemeClr val="accent4">
+                        <a:shade val="20000"/>
+                        <a:satMod val="245000"/>
+                      </a:schemeClr>
+                    </a:gs>
+                    <a:gs pos="43000">
+                      <a:schemeClr val="accent4">
+                        <a:satMod val="255000"/>
+                      </a:schemeClr>
+                    </a:gs>
+                    <a:gs pos="48000">
+                      <a:schemeClr val="accent4">
+                        <a:shade val="85000"/>
+                        <a:satMod val="255000"/>
+                      </a:schemeClr>
+                    </a:gs>
+                    <a:gs pos="100000">
+                      <a:schemeClr val="accent4">
+                        <a:shade val="20000"/>
+                        <a:satMod val="245000"/>
+                      </a:schemeClr>
+                    </a:gs>
+                  </a:gsLst>
+                  <a:lin ang="5400000"/>
+                </a:gradFill>
+                <a:effectLst>
+                  <a:reflection blurRad="12700" stA="28000" endPos="45000" dist="1000" dir="5400000" sy="-100000" algn="bl" rotWithShape="0"/>
+                </a:effectLst>
+              </a:rPr>
+              <a:t>Welcome the player</a:t>
+            </a:r>
+            <a:endParaRPr lang="en-US" sz="1200" b="1" cap="all" spc="0" dirty="0">
+              <a:ln w="9000" cmpd="sng">
+                <a:solidFill>
+                  <a:schemeClr val="accent4">
+                    <a:shade val="50000"/>
+                    <a:satMod val="120000"/>
+                  </a:schemeClr>
+                </a:solidFill>
+                <a:prstDash val="solid"/>
+              </a:ln>
+              <a:gradFill>
+                <a:gsLst>
+                  <a:gs pos="0">
+                    <a:schemeClr val="accent4">
+                      <a:shade val="20000"/>
+                      <a:satMod val="245000"/>
+                    </a:schemeClr>
+                  </a:gs>
+                  <a:gs pos="43000">
+                    <a:schemeClr val="accent4">
+                      <a:satMod val="255000"/>
+                    </a:schemeClr>
+                  </a:gs>
+                  <a:gs pos="48000">
+                    <a:schemeClr val="accent4">
+                      <a:shade val="85000"/>
+                      <a:satMod val="255000"/>
+                    </a:schemeClr>
+                  </a:gs>
+                  <a:gs pos="100000">
+                    <a:schemeClr val="accent4">
+                      <a:shade val="20000"/>
+                      <a:satMod val="245000"/>
+                    </a:schemeClr>
+                  </a:gs>
+                </a:gsLst>
+                <a:lin ang="5400000"/>
+              </a:gradFill>
+              <a:effectLst>
+                <a:reflection blurRad="12700" stA="28000" endPos="45000" dist="1000" dir="5400000" sy="-100000" algn="bl" rotWithShape="0"/>
+              </a:effectLst>
+            </a:endParaRPr>
+          </a:p>
+        </p:txBody>
+      </p:sp>
+      <p:sp>
+        <p:nvSpPr>
+          <p:cNvPr id="25" name="Content Placeholder 2"/>
+          <p:cNvSpPr txBox="1">
+            <a:spLocks/>
+          </p:cNvSpPr>
+          <p:nvPr/>
+        </p:nvSpPr>
+        <p:spPr>
+          <a:xfrm>
+            <a:off x="457200" y="2971800"/>
+            <a:ext cx="8229600" cy="914400"/>
+          </a:xfrm>
+          <a:prstGeom prst="rect">
+            <a:avLst/>
+          </a:prstGeom>
+        </p:spPr>
+        <p:txBody>
+          <a:bodyPr vert="horz" lIns="91440" tIns="45720" rIns="91440" bIns="45720" rtlCol="0">
+            <a:normAutofit/>
+          </a:bodyPr>
+          <a:lstStyle/>
+          <a:p>
+            <a:r>
+              <a:rPr lang="en-US" sz="1000" dirty="0" smtClean="0">
+                <a:solidFill>
+                  <a:srgbClr val="3366FF"/>
+                </a:solidFill>
+              </a:rPr>
+              <a:t># welcoming the user</a:t>
+            </a:r>
+          </a:p>
+          <a:p>
+            <a:r>
+              <a:rPr lang="en-US" sz="1000" dirty="0" smtClean="0">
+                <a:solidFill>
+                  <a:srgbClr val="FF0000"/>
+                </a:solidFill>
+              </a:rPr>
+              <a:t>print What is your name?</a:t>
+            </a:r>
+          </a:p>
+          <a:p>
+            <a:r>
+              <a:rPr lang="en-US" sz="1000" dirty="0" smtClean="0">
+                <a:solidFill>
+                  <a:srgbClr val="008000"/>
+                </a:solidFill>
+              </a:rPr>
+              <a:t>wait for name</a:t>
+            </a:r>
+          </a:p>
+          <a:p>
+            <a:r>
+              <a:rPr lang="en-US" sz="1000" dirty="0" smtClean="0">
+                <a:solidFill>
+                  <a:srgbClr val="FF0000"/>
+                </a:solidFill>
+              </a:rPr>
+              <a:t>print Hello, name, Time to play hangman!</a:t>
+            </a:r>
+          </a:p>
+          <a:p>
+            <a:r>
+              <a:rPr lang="en-US" sz="1000" dirty="0" smtClean="0">
+                <a:solidFill>
+                  <a:srgbClr val="FF0000"/>
+                </a:solidFill>
+              </a:rPr>
+              <a:t>print Start guessing...</a:t>
+            </a:r>
+            <a:endParaRPr lang="en-US" sz="1000" dirty="0" smtClean="0">
+              <a:solidFill>
+                <a:srgbClr val="FF0000"/>
+              </a:solidFill>
+            </a:endParaRPr>
+          </a:p>
+        </p:txBody>
+      </p:sp>
+      <p:sp>
+        <p:nvSpPr>
+          <p:cNvPr id="26" name="Content Placeholder 2"/>
+          <p:cNvSpPr txBox="1">
+            <a:spLocks/>
+          </p:cNvSpPr>
+          <p:nvPr/>
+        </p:nvSpPr>
+        <p:spPr>
+          <a:xfrm>
+            <a:off x="457200" y="3810000"/>
+            <a:ext cx="6477000" cy="1981200"/>
+          </a:xfrm>
+          <a:prstGeom prst="rect">
+            <a:avLst/>
+          </a:prstGeom>
+        </p:spPr>
+        <p:txBody>
+          <a:bodyPr vert="horz" lIns="91440" tIns="45720" rIns="91440" bIns="45720" rtlCol="0">
+            <a:normAutofit lnSpcReduction="10000"/>
+          </a:bodyPr>
+          <a:lstStyle/>
+          <a:p>
+            <a:r>
+              <a:rPr lang="en-US" sz="1000" dirty="0" smtClean="0"/>
+              <a:t>while turns &gt; 0</a:t>
+            </a:r>
+          </a:p>
+          <a:p>
+            <a:r>
+              <a:rPr lang="en-US" sz="1000" dirty="0" smtClean="0"/>
+              <a:t> </a:t>
+            </a:r>
+            <a:r>
+              <a:rPr lang="en-US" sz="1000" dirty="0" smtClean="0">
+                <a:solidFill>
+                  <a:srgbClr val="008000"/>
+                </a:solidFill>
+              </a:rPr>
+              <a:t>store guess</a:t>
+            </a:r>
+          </a:p>
+          <a:p>
+            <a:r>
+              <a:rPr lang="en-US" sz="1000" dirty="0" smtClean="0"/>
+              <a:t> if guess is not in word</a:t>
+            </a:r>
+          </a:p>
+          <a:p>
+            <a:r>
+              <a:rPr lang="en-US" sz="1000" dirty="0" smtClean="0"/>
+              <a:t>  </a:t>
+            </a:r>
+            <a:r>
+              <a:rPr lang="en-US" sz="1000" dirty="0" smtClean="0">
+                <a:solidFill>
+                  <a:srgbClr val="FF0000"/>
+                </a:solidFill>
+              </a:rPr>
+              <a:t>print wrong message</a:t>
+            </a:r>
+          </a:p>
+          <a:p>
+            <a:r>
+              <a:rPr lang="en-US" sz="1000" dirty="0" smtClean="0"/>
+              <a:t>  decrement turns</a:t>
+            </a:r>
+          </a:p>
+          <a:p>
+            <a:r>
+              <a:rPr lang="en-US" sz="1000" dirty="0" smtClean="0"/>
+              <a:t>  if no more turns left </a:t>
+            </a:r>
+          </a:p>
+          <a:p>
+            <a:r>
+              <a:rPr lang="en-US" sz="1000" dirty="0" smtClean="0"/>
+              <a:t>   </a:t>
+            </a:r>
+            <a:r>
+              <a:rPr lang="en-US" sz="1000" dirty="0" smtClean="0">
+                <a:solidFill>
+                  <a:srgbClr val="FF0000"/>
+                </a:solidFill>
+              </a:rPr>
+              <a:t>print fail message</a:t>
+            </a:r>
+          </a:p>
+          <a:p>
+            <a:r>
+              <a:rPr lang="en-US" sz="1000" dirty="0" smtClean="0"/>
+              <a:t> else </a:t>
+            </a:r>
+            <a:r>
+              <a:rPr lang="en-US" sz="1000" dirty="0" smtClean="0">
+                <a:solidFill>
+                  <a:srgbClr val="3366FF"/>
+                </a:solidFill>
+              </a:rPr>
+              <a:t># guess was right</a:t>
+            </a:r>
+          </a:p>
+          <a:p>
+            <a:r>
+              <a:rPr lang="en-US" sz="1000" dirty="0" smtClean="0"/>
+              <a:t>  if all letters correct </a:t>
+            </a:r>
+          </a:p>
+          <a:p>
+            <a:r>
+              <a:rPr lang="en-US" sz="1000" dirty="0" smtClean="0"/>
+              <a:t>   </a:t>
+            </a:r>
+            <a:r>
+              <a:rPr lang="en-US" sz="1000" dirty="0" smtClean="0">
+                <a:solidFill>
+                  <a:srgbClr val="FF0000"/>
+                </a:solidFill>
+              </a:rPr>
+              <a:t>print you won</a:t>
+            </a:r>
+          </a:p>
+          <a:p>
+            <a:r>
+              <a:rPr lang="en-US" sz="1000" dirty="0" smtClean="0"/>
+              <a:t>  else </a:t>
+            </a:r>
+          </a:p>
+          <a:p>
+            <a:r>
+              <a:rPr lang="en-US" sz="1000" dirty="0" smtClean="0"/>
+              <a:t>   keep going</a:t>
+            </a:r>
+          </a:p>
+          <a:p>
+            <a:r>
+              <a:rPr lang="en-US" sz="1000" dirty="0" smtClean="0"/>
+              <a:t>end </a:t>
+            </a:r>
+            <a:r>
+              <a:rPr lang="en-US" sz="1000" dirty="0" smtClean="0">
+                <a:solidFill>
+                  <a:srgbClr val="3366FF"/>
+                </a:solidFill>
+              </a:rPr>
+              <a:t># close while loop</a:t>
+            </a:r>
+            <a:r>
+              <a:rPr lang="en-US" sz="1000" dirty="0" smtClean="0">
+                <a:solidFill>
+                  <a:srgbClr val="3366FF"/>
+                </a:solidFill>
+              </a:rPr>
+              <a:t> </a:t>
+            </a:r>
+            <a:endParaRPr lang="en-US" sz="1000" dirty="0">
+              <a:solidFill>
+                <a:srgbClr val="3366FF"/>
+              </a:solidFill>
+            </a:endParaRPr>
+          </a:p>
+        </p:txBody>
+      </p:sp>
     </p:spTree>
-    <p:extLst>
-      <p:ext uri="{BB962C8B-B14F-4D97-AF65-F5344CB8AC3E}">
-        <p14:creationId xmlns:p14="http://schemas.microsoft.com/office/powerpoint/2010/main" val="2938611847"/>
-      </p:ext>
-    </p:extLst>
   </p:cSld>
   <p:clrMapOvr>
     <a:masterClrMapping/>
   </p:clrMapOvr>
-</p:sld>
-</file>
-
-<file path=ppt/slides/slide2.xml><?xml version="1.0" encoding="utf-8"?>
-<p:sld xmlns:a="http://schemas.openxmlformats.org/drawingml/2006/main" xmlns:r="http://schemas.openxmlformats.org/officeDocument/2006/relationships" xmlns:p="http://schemas.openxmlformats.org/presentationml/2006/main">
-  <p:cSld>
-    <p:spTree>
-      <p:nvGrpSpPr>
-        <p:cNvPr id="1" name=""/>
-        <p:cNvGrpSpPr/>
-        <p:nvPr/>
-      </p:nvGrpSpPr>
-      <p:grpSpPr>
-        <a:xfrm>
-          <a:off x="0" y="0"/>
-          <a:ext cx="0" cy="0"/>
-          <a:chOff x="0" y="0"/>
-          <a:chExt cx="0" cy="0"/>
-        </a:xfrm>
-      </p:grpSpPr>
-      <p:pic>
-        <p:nvPicPr>
-          <p:cNvPr id="2" name="Picture 1"/>
-          <p:cNvPicPr>
-            <a:picLocks noChangeAspect="1"/>
-          </p:cNvPicPr>
-          <p:nvPr/>
-        </p:nvPicPr>
-        <p:blipFill>
-          <a:blip r:embed="rId3">
-            <a:extLst>
-              <a:ext uri="{28A0092B-C50C-407E-A947-70E740481C1C}">
-                <a14:useLocalDpi xmlns:a14="http://schemas.microsoft.com/office/drawing/2010/main" val="0"/>
-              </a:ext>
-            </a:extLst>
-          </a:blip>
-          <a:stretch>
-            <a:fillRect/>
-          </a:stretch>
-        </p:blipFill>
-        <p:spPr>
-          <a:xfrm>
-            <a:off x="2133600" y="193894"/>
-            <a:ext cx="4724400" cy="6539843"/>
-          </a:xfrm>
-          <a:prstGeom prst="rect">
-            <a:avLst/>
-          </a:prstGeom>
-          <a:ln>
-            <a:noFill/>
-          </a:ln>
-          <a:effectLst>
-            <a:outerShdw blurRad="292100" dist="139700" dir="2700000" algn="tl" rotWithShape="0">
-              <a:srgbClr val="333333">
-                <a:alpha val="65000"/>
-              </a:srgbClr>
-            </a:outerShdw>
-          </a:effectLst>
-        </p:spPr>
-      </p:pic>
-    </p:spTree>
-    <p:extLst>
-      <p:ext uri="{BB962C8B-B14F-4D97-AF65-F5344CB8AC3E}">
-        <p14:creationId xmlns:p14="http://schemas.microsoft.com/office/powerpoint/2010/main" val="1874095790"/>
-      </p:ext>
-    </p:extLst>
-  </p:cSld>
-  <p:clrMapOvr>
-    <a:masterClrMapping/>
-  </p:clrMapOvr>
-</p:sld>
-</file>
-
-<file path=ppt/slides/slide3.xml><?xml version="1.0" encoding="utf-8"?>
-<p:sld xmlns:a="http://schemas.openxmlformats.org/drawingml/2006/main" xmlns:r="http://schemas.openxmlformats.org/officeDocument/2006/relationships" xmlns:p="http://schemas.openxmlformats.org/presentationml/2006/main">
-  <p:cSld>
-    <p:spTree>
-      <p:nvGrpSpPr>
-        <p:cNvPr id="1" name=""/>
-        <p:cNvGrpSpPr/>
-        <p:nvPr/>
-      </p:nvGrpSpPr>
-      <p:grpSpPr>
-        <a:xfrm>
-          <a:off x="0" y="0"/>
-          <a:ext cx="0" cy="0"/>
-          <a:chOff x="0" y="0"/>
-          <a:chExt cx="0" cy="0"/>
-        </a:xfrm>
-      </p:grpSpPr>
-      <p:sp>
-        <p:nvSpPr>
-          <p:cNvPr id="2" name="Title 1"/>
-          <p:cNvSpPr>
-            <a:spLocks noGrp="1"/>
-          </p:cNvSpPr>
-          <p:nvPr>
-            <p:ph type="title"/>
-          </p:nvPr>
-        </p:nvSpPr>
-        <p:spPr>
-          <a:xfrm>
-            <a:off x="457200" y="228600"/>
-            <a:ext cx="8229600" cy="381000"/>
-          </a:xfrm>
-        </p:spPr>
-        <p:txBody>
-          <a:bodyPr>
-            <a:normAutofit fontScale="90000"/>
-          </a:bodyPr>
-          <a:lstStyle/>
-          <a:p>
-            <a:r>
-              <a:rPr lang="en-US" sz="2400" dirty="0" smtClean="0"/>
-              <a:t>Hangman Program Pseudo Code</a:t>
-            </a:r>
-            <a:endParaRPr lang="en-US" sz="2400" dirty="0"/>
-          </a:p>
-        </p:txBody>
-      </p:sp>
-      <p:sp>
-        <p:nvSpPr>
-          <p:cNvPr id="3" name="Content Placeholder 2"/>
-          <p:cNvSpPr>
-            <a:spLocks noGrp="1"/>
-          </p:cNvSpPr>
-          <p:nvPr>
-            <p:ph sz="half" idx="1"/>
-          </p:nvPr>
-        </p:nvSpPr>
-        <p:spPr>
-          <a:xfrm>
-            <a:off x="457200" y="609600"/>
-            <a:ext cx="4038600" cy="5562600"/>
-          </a:xfrm>
-        </p:spPr>
-        <p:txBody>
-          <a:bodyPr>
-            <a:normAutofit fontScale="70000" lnSpcReduction="20000"/>
-          </a:bodyPr>
-          <a:lstStyle/>
-          <a:p>
-            <a:r>
-              <a:rPr lang="en-US" sz="1500" b="1" dirty="0" smtClean="0"/>
-              <a:t>START</a:t>
-            </a:r>
-          </a:p>
-          <a:p>
-            <a:endParaRPr lang="en-US" sz="1500" b="1" dirty="0" smtClean="0"/>
-          </a:p>
-          <a:p>
-            <a:r>
-              <a:rPr lang="en-US" sz="1500" b="1" dirty="0" smtClean="0"/>
-              <a:t>   Declarations</a:t>
-            </a:r>
-          </a:p>
-          <a:p>
-            <a:r>
-              <a:rPr lang="en-US" sz="1500" b="1" dirty="0" smtClean="0"/>
-              <a:t>      </a:t>
-            </a:r>
-            <a:r>
-              <a:rPr lang="en-US" sz="1500" b="1" dirty="0" err="1" smtClean="0"/>
-              <a:t>num</a:t>
-            </a:r>
-            <a:r>
-              <a:rPr lang="en-US" sz="1500" b="1" dirty="0" smtClean="0"/>
-              <a:t> guess</a:t>
-            </a:r>
-          </a:p>
-          <a:p>
-            <a:r>
-              <a:rPr lang="en-US" sz="1500" b="1" dirty="0" smtClean="0"/>
-              <a:t>      string WORD[9] = “M”, ”I”, ”C”, “R”, ”O”, ”S”, ”O”, ”F”, ”T”</a:t>
-            </a:r>
-          </a:p>
-          <a:p>
-            <a:r>
-              <a:rPr lang="en-US" sz="1500" b="1" dirty="0" smtClean="0"/>
-              <a:t>      string </a:t>
-            </a:r>
-            <a:r>
-              <a:rPr lang="en-US" sz="1500" b="1" dirty="0" err="1" smtClean="0"/>
-              <a:t>showWord</a:t>
-            </a:r>
-            <a:r>
-              <a:rPr lang="en-US" sz="1500" b="1" dirty="0" smtClean="0"/>
-              <a:t>[9] “-“, “-“, “-“, “-“,“-“, “-“, “-“, “-“, “-“,</a:t>
-            </a:r>
-          </a:p>
-          <a:p>
-            <a:r>
-              <a:rPr lang="en-US" sz="1500" b="1" dirty="0" smtClean="0"/>
-              <a:t>      string </a:t>
-            </a:r>
-            <a:r>
-              <a:rPr lang="en-US" sz="1500" b="1" dirty="0" err="1" smtClean="0"/>
-              <a:t>guessCorrect</a:t>
-            </a:r>
-            <a:r>
-              <a:rPr lang="en-US" sz="1500" b="1" dirty="0" smtClean="0"/>
-              <a:t> = “N”</a:t>
-            </a:r>
-          </a:p>
-          <a:p>
-            <a:r>
-              <a:rPr lang="en-US" sz="1500" b="1" dirty="0" smtClean="0"/>
-              <a:t>      string </a:t>
-            </a:r>
-            <a:r>
-              <a:rPr lang="en-US" sz="1500" b="1" dirty="0" err="1" smtClean="0"/>
-              <a:t>continueGame</a:t>
-            </a:r>
-            <a:r>
-              <a:rPr lang="en-US" sz="1500" b="1" dirty="0" smtClean="0"/>
-              <a:t> = “Yes”</a:t>
-            </a:r>
-          </a:p>
-          <a:p>
-            <a:r>
-              <a:rPr lang="en-US" sz="1500" b="1" dirty="0" smtClean="0"/>
-              <a:t>      </a:t>
-            </a:r>
-            <a:r>
-              <a:rPr lang="en-US" sz="1500" b="1" dirty="0" err="1" smtClean="0"/>
-              <a:t>num</a:t>
-            </a:r>
-            <a:r>
-              <a:rPr lang="en-US" sz="1500" b="1" dirty="0" smtClean="0"/>
-              <a:t> SIZE = 9</a:t>
-            </a:r>
-          </a:p>
-          <a:p>
-            <a:r>
-              <a:rPr lang="en-US" sz="1500" b="1" dirty="0" smtClean="0"/>
-              <a:t>      </a:t>
-            </a:r>
-            <a:r>
-              <a:rPr lang="en-US" sz="1500" b="1" dirty="0" err="1" smtClean="0"/>
-              <a:t>num</a:t>
-            </a:r>
-            <a:r>
-              <a:rPr lang="en-US" sz="1500" b="1" dirty="0" smtClean="0"/>
-              <a:t> sub = 0</a:t>
-            </a:r>
-          </a:p>
-          <a:p>
-            <a:r>
-              <a:rPr lang="en-US" sz="1500" b="1" dirty="0" smtClean="0"/>
-              <a:t>      string WELCOME “Welcome to Guess the Hidden Word!</a:t>
-            </a:r>
-          </a:p>
-          <a:p>
-            <a:r>
-              <a:rPr lang="en-US" sz="1500" b="1" dirty="0" smtClean="0"/>
-              <a:t>                 Please enter a letter.”</a:t>
-            </a:r>
-          </a:p>
-          <a:p>
-            <a:r>
-              <a:rPr lang="en-US" sz="1500" b="1" dirty="0" smtClean="0"/>
-              <a:t>      string MSG_TRY_AGAIN “Letters remain hidden.  Please </a:t>
-            </a:r>
-          </a:p>
-          <a:p>
-            <a:r>
-              <a:rPr lang="en-US" sz="1500" b="1" dirty="0" smtClean="0"/>
-              <a:t>              enter another letter or “QUIT” to quit."</a:t>
-            </a:r>
-          </a:p>
-          <a:p>
-            <a:r>
-              <a:rPr lang="en-US" sz="1500" b="1" dirty="0" smtClean="0"/>
-              <a:t>      string MSG_NO_MATCH “Sorry, Bad Guess!”</a:t>
-            </a:r>
-          </a:p>
-          <a:p>
-            <a:r>
-              <a:rPr lang="en-US" sz="1500" b="1" dirty="0" smtClean="0"/>
-              <a:t>      string MSG_MATCH “</a:t>
-            </a:r>
-            <a:r>
-              <a:rPr lang="en-US" sz="1500" b="1" dirty="0" err="1" smtClean="0"/>
-              <a:t>Good_Guess</a:t>
-            </a:r>
-            <a:r>
-              <a:rPr lang="en-US" sz="1500" b="1" dirty="0" smtClean="0"/>
-              <a:t>!”</a:t>
-            </a:r>
-          </a:p>
-          <a:p>
-            <a:r>
-              <a:rPr lang="en-US" sz="1500" b="1" dirty="0" smtClean="0"/>
-              <a:t>      string MSG_WINNER = ‘Congratulations, You are a Winner! </a:t>
-            </a:r>
-          </a:p>
-          <a:p>
-            <a:r>
-              <a:rPr lang="en-US" sz="1500" b="1" dirty="0" smtClean="0"/>
-              <a:t>                You have guessed the Hidden Word:” </a:t>
-            </a:r>
-          </a:p>
-          <a:p>
-            <a:r>
-              <a:rPr lang="en-US" sz="1500" b="1" dirty="0" smtClean="0"/>
-              <a:t>      string BYE “Thank You for Playing!  Goodbye!"</a:t>
-            </a:r>
-          </a:p>
-          <a:p>
-            <a:r>
-              <a:rPr lang="en-US" sz="1500" b="1" dirty="0" smtClean="0"/>
-              <a:t>   </a:t>
-            </a:r>
-            <a:r>
-              <a:rPr lang="en-US" sz="1500" b="1" dirty="0" err="1" smtClean="0"/>
-              <a:t>getReady</a:t>
-            </a:r>
-            <a:r>
-              <a:rPr lang="en-US" sz="1500" b="1" dirty="0" smtClean="0"/>
-              <a:t>()</a:t>
-            </a:r>
-          </a:p>
-          <a:p>
-            <a:r>
-              <a:rPr lang="en-US" sz="1500" b="1" dirty="0" smtClean="0"/>
-              <a:t>   while guess &lt;&gt; "QUIT"</a:t>
-            </a:r>
-          </a:p>
-          <a:p>
-            <a:r>
-              <a:rPr lang="en-US" sz="1500" b="1" dirty="0" smtClean="0"/>
-              <a:t>      </a:t>
-            </a:r>
-            <a:r>
-              <a:rPr lang="en-US" sz="1500" b="1" dirty="0" err="1" smtClean="0"/>
-              <a:t>evaluateGuess</a:t>
-            </a:r>
-            <a:r>
-              <a:rPr lang="en-US" sz="1500" b="1" dirty="0" smtClean="0"/>
-              <a:t>()</a:t>
-            </a:r>
-          </a:p>
-          <a:p>
-            <a:r>
-              <a:rPr lang="en-US" sz="1500" b="1" dirty="0" smtClean="0"/>
-              <a:t>   </a:t>
-            </a:r>
-            <a:r>
-              <a:rPr lang="en-US" sz="1500" b="1" dirty="0" err="1" smtClean="0"/>
-              <a:t>endwhile</a:t>
-            </a:r>
-            <a:endParaRPr lang="en-US" sz="1500" b="1" dirty="0" smtClean="0"/>
-          </a:p>
-          <a:p>
-            <a:r>
-              <a:rPr lang="en-US" sz="1500" b="1" dirty="0" smtClean="0"/>
-              <a:t>   finish()</a:t>
-            </a:r>
-          </a:p>
-          <a:p>
-            <a:endParaRPr lang="en-US" sz="1500" b="1" dirty="0" smtClean="0"/>
-          </a:p>
-          <a:p>
-            <a:r>
-              <a:rPr lang="en-US" sz="1500" b="1" dirty="0" smtClean="0"/>
-              <a:t>STOP</a:t>
-            </a:r>
-          </a:p>
-          <a:p>
-            <a:endParaRPr lang="en-US" sz="1500" b="1" dirty="0" smtClean="0"/>
-          </a:p>
-          <a:p>
-            <a:r>
-              <a:rPr lang="en-US" sz="1500" b="1" dirty="0" err="1" smtClean="0"/>
-              <a:t>getReady</a:t>
-            </a:r>
-            <a:r>
-              <a:rPr lang="en-US" sz="1500" b="1" dirty="0" smtClean="0"/>
-              <a:t>()</a:t>
-            </a:r>
-          </a:p>
-          <a:p>
-            <a:r>
-              <a:rPr lang="en-US" sz="1500" b="1" dirty="0" smtClean="0"/>
-              <a:t>   output WELCOME</a:t>
-            </a:r>
-          </a:p>
-          <a:p>
-            <a:r>
-              <a:rPr lang="en-US" sz="1500" b="1" dirty="0" smtClean="0"/>
-              <a:t>   input guess</a:t>
-            </a:r>
-          </a:p>
-          <a:p>
-            <a:r>
-              <a:rPr lang="en-US" sz="1500" b="1" dirty="0" smtClean="0"/>
-              <a:t>return</a:t>
-            </a:r>
-          </a:p>
-          <a:p>
-            <a:endParaRPr lang="en-US" sz="800" dirty="0" smtClean="0"/>
-          </a:p>
-        </p:txBody>
-      </p:sp>
-      <p:sp>
-        <p:nvSpPr>
-          <p:cNvPr id="4" name="Content Placeholder 3"/>
-          <p:cNvSpPr>
-            <a:spLocks noGrp="1"/>
-          </p:cNvSpPr>
-          <p:nvPr>
-            <p:ph sz="half" idx="2"/>
-          </p:nvPr>
-        </p:nvSpPr>
-        <p:spPr>
-          <a:xfrm>
-            <a:off x="4648200" y="609600"/>
-            <a:ext cx="4038600" cy="5791200"/>
-          </a:xfrm>
-        </p:spPr>
-        <p:txBody>
-          <a:bodyPr>
-            <a:noAutofit/>
-          </a:bodyPr>
-          <a:lstStyle/>
-          <a:p>
-            <a:r>
-              <a:rPr lang="en-US" sz="1050" b="1" dirty="0" err="1" smtClean="0"/>
-              <a:t>evaluateGuess</a:t>
-            </a:r>
-            <a:r>
-              <a:rPr lang="en-US" sz="1050" b="1" dirty="0" smtClean="0"/>
-              <a:t>()</a:t>
-            </a:r>
-          </a:p>
-          <a:p>
-            <a:r>
-              <a:rPr lang="en-US" sz="1050" b="1" dirty="0" smtClean="0"/>
-              <a:t>   while sub &lt; SIZE</a:t>
-            </a:r>
-          </a:p>
-          <a:p>
-            <a:r>
-              <a:rPr lang="en-US" sz="1050" b="1" dirty="0" smtClean="0"/>
-              <a:t>      if guess = word[sub] then</a:t>
-            </a:r>
-          </a:p>
-          <a:p>
-            <a:r>
-              <a:rPr lang="en-US" sz="1050" b="1" dirty="0" smtClean="0"/>
-              <a:t>         </a:t>
-            </a:r>
-            <a:r>
-              <a:rPr lang="en-US" sz="1050" b="1" dirty="0" err="1" smtClean="0"/>
-              <a:t>guessCorrect</a:t>
-            </a:r>
-            <a:r>
-              <a:rPr lang="en-US" sz="1050" b="1" dirty="0" smtClean="0"/>
-              <a:t> = "Y"</a:t>
-            </a:r>
-          </a:p>
-          <a:p>
-            <a:r>
-              <a:rPr lang="en-US" sz="1050" b="1" dirty="0" smtClean="0"/>
-              <a:t>         </a:t>
-            </a:r>
-            <a:r>
-              <a:rPr lang="en-US" sz="1050" b="1" dirty="0" err="1" smtClean="0"/>
-              <a:t>showWord</a:t>
-            </a:r>
-            <a:r>
-              <a:rPr lang="en-US" sz="1050" b="1" dirty="0" smtClean="0"/>
-              <a:t>[sub] = word[sub]</a:t>
-            </a:r>
-          </a:p>
-          <a:p>
-            <a:r>
-              <a:rPr lang="en-US" sz="1050" b="1" dirty="0" smtClean="0"/>
-              <a:t>      </a:t>
-            </a:r>
-            <a:r>
-              <a:rPr lang="en-US" sz="1050" b="1" dirty="0" err="1" smtClean="0"/>
-              <a:t>endif</a:t>
-            </a:r>
-            <a:endParaRPr lang="en-US" sz="1050" b="1" dirty="0" smtClean="0"/>
-          </a:p>
-          <a:p>
-            <a:r>
-              <a:rPr lang="en-US" sz="1050" b="1" dirty="0" smtClean="0"/>
-              <a:t>      sub = sub + 1</a:t>
-            </a:r>
-          </a:p>
-          <a:p>
-            <a:r>
-              <a:rPr lang="en-US" sz="1050" b="1" dirty="0" smtClean="0"/>
-              <a:t>   </a:t>
-            </a:r>
-            <a:r>
-              <a:rPr lang="en-US" sz="1050" b="1" dirty="0" err="1" smtClean="0"/>
-              <a:t>endwhile</a:t>
-            </a:r>
-            <a:endParaRPr lang="en-US" sz="1050" b="1" dirty="0" smtClean="0"/>
-          </a:p>
-          <a:p>
-            <a:r>
-              <a:rPr lang="en-US" sz="1050" b="1" dirty="0" smtClean="0"/>
-              <a:t>   if </a:t>
-            </a:r>
-            <a:r>
-              <a:rPr lang="en-US" sz="1050" b="1" dirty="0" err="1" smtClean="0"/>
-              <a:t>guessCorrect</a:t>
-            </a:r>
-            <a:r>
-              <a:rPr lang="en-US" sz="1050" b="1" dirty="0" smtClean="0"/>
-              <a:t> = "Y" then</a:t>
-            </a:r>
-          </a:p>
-          <a:p>
-            <a:r>
-              <a:rPr lang="en-US" sz="1050" b="1" dirty="0" smtClean="0"/>
-              <a:t>      output </a:t>
-            </a:r>
-            <a:r>
-              <a:rPr lang="en-US" sz="1050" b="1" dirty="0" err="1" smtClean="0"/>
-              <a:t>MSG_Match</a:t>
-            </a:r>
-            <a:endParaRPr lang="en-US" sz="1050" b="1" dirty="0" smtClean="0"/>
-          </a:p>
-          <a:p>
-            <a:r>
-              <a:rPr lang="en-US" sz="1050" b="1" dirty="0" smtClean="0"/>
-              <a:t>      if word[9] = </a:t>
-            </a:r>
-            <a:r>
-              <a:rPr lang="en-US" sz="1050" b="1" dirty="0" err="1" smtClean="0"/>
-              <a:t>showWord</a:t>
-            </a:r>
-            <a:r>
-              <a:rPr lang="en-US" sz="1050" b="1" dirty="0" smtClean="0"/>
-              <a:t>[9] then</a:t>
-            </a:r>
-          </a:p>
-          <a:p>
-            <a:r>
-              <a:rPr lang="en-US" sz="1050" b="1" dirty="0" smtClean="0"/>
-              <a:t>         output </a:t>
-            </a:r>
-            <a:r>
-              <a:rPr lang="en-US" sz="1050" b="1" dirty="0" err="1" smtClean="0"/>
-              <a:t>MSG_Winner</a:t>
-            </a:r>
-            <a:r>
-              <a:rPr lang="en-US" sz="1050" b="1" dirty="0" smtClean="0"/>
-              <a:t>, </a:t>
-            </a:r>
-            <a:r>
-              <a:rPr lang="en-US" sz="1050" b="1" dirty="0" err="1" smtClean="0"/>
-              <a:t>showWord</a:t>
-            </a:r>
-            <a:r>
-              <a:rPr lang="en-US" sz="1050" b="1" dirty="0" smtClean="0"/>
-              <a:t>[9]</a:t>
-            </a:r>
-          </a:p>
-          <a:p>
-            <a:r>
-              <a:rPr lang="en-US" sz="1050" b="1" dirty="0" smtClean="0"/>
-              <a:t>         guess = "QUIT"</a:t>
-            </a:r>
-          </a:p>
-          <a:p>
-            <a:r>
-              <a:rPr lang="en-US" sz="1050" b="1" dirty="0" smtClean="0"/>
-              <a:t>      else </a:t>
-            </a:r>
-          </a:p>
-          <a:p>
-            <a:r>
-              <a:rPr lang="en-US" sz="1050" b="1" dirty="0" smtClean="0"/>
-              <a:t>         output “The Hidden Word now looks like”, </a:t>
-            </a:r>
-            <a:r>
-              <a:rPr lang="en-US" sz="1050" b="1" dirty="0" err="1" smtClean="0"/>
-              <a:t>showWord</a:t>
-            </a:r>
-            <a:r>
-              <a:rPr lang="en-US" sz="1050" b="1" dirty="0" smtClean="0"/>
-              <a:t>[9]</a:t>
-            </a:r>
-          </a:p>
-          <a:p>
-            <a:r>
-              <a:rPr lang="en-US" sz="1050" b="1" dirty="0" smtClean="0"/>
-              <a:t>         </a:t>
-            </a:r>
-            <a:r>
-              <a:rPr lang="en-US" sz="1050" b="1" dirty="0" err="1" smtClean="0"/>
-              <a:t>guessCorrect</a:t>
-            </a:r>
-            <a:r>
-              <a:rPr lang="en-US" sz="1050" b="1" dirty="0" smtClean="0"/>
-              <a:t> = "N"</a:t>
-            </a:r>
-          </a:p>
-          <a:p>
-            <a:r>
-              <a:rPr lang="en-US" sz="1050" b="1" dirty="0" smtClean="0"/>
-              <a:t>         sub = 0</a:t>
-            </a:r>
-          </a:p>
-          <a:p>
-            <a:r>
-              <a:rPr lang="en-US" sz="1050" b="1" dirty="0" smtClean="0"/>
-              <a:t>         output TRY_AGAIN</a:t>
-            </a:r>
-          </a:p>
-          <a:p>
-            <a:r>
-              <a:rPr lang="en-US" sz="1050" b="1" dirty="0" smtClean="0"/>
-              <a:t>         input guess</a:t>
-            </a:r>
-          </a:p>
-          <a:p>
-            <a:r>
-              <a:rPr lang="en-US" sz="1050" b="1" dirty="0" smtClean="0"/>
-              <a:t>      </a:t>
-            </a:r>
-            <a:r>
-              <a:rPr lang="en-US" sz="1050" b="1" dirty="0" err="1" smtClean="0"/>
-              <a:t>endif</a:t>
-            </a:r>
-            <a:endParaRPr lang="en-US" sz="1050" b="1" dirty="0" smtClean="0"/>
-          </a:p>
-          <a:p>
-            <a:r>
-              <a:rPr lang="en-US" sz="1050" b="1" dirty="0" smtClean="0"/>
-              <a:t>    else</a:t>
-            </a:r>
-          </a:p>
-          <a:p>
-            <a:r>
-              <a:rPr lang="en-US" sz="1050" b="1" dirty="0" smtClean="0"/>
-              <a:t>       output MSG_NO_MATCH</a:t>
-            </a:r>
-          </a:p>
-          <a:p>
-            <a:r>
-              <a:rPr lang="en-US" sz="1050" b="1" dirty="0" smtClean="0"/>
-              <a:t>       output “The Hidden Word now looks like”, </a:t>
-            </a:r>
-            <a:r>
-              <a:rPr lang="en-US" sz="1050" b="1" dirty="0" err="1" smtClean="0"/>
-              <a:t>showWord</a:t>
-            </a:r>
-            <a:r>
-              <a:rPr lang="en-US" sz="1050" b="1" dirty="0" smtClean="0"/>
-              <a:t>[9]</a:t>
-            </a:r>
-          </a:p>
-          <a:p>
-            <a:r>
-              <a:rPr lang="en-US" sz="1050" b="1" dirty="0" smtClean="0"/>
-              <a:t>       sub = 0</a:t>
-            </a:r>
-          </a:p>
-          <a:p>
-            <a:r>
-              <a:rPr lang="en-US" sz="1050" b="1" dirty="0" smtClean="0"/>
-              <a:t>       output TRY_AGAIN</a:t>
-            </a:r>
-          </a:p>
-          <a:p>
-            <a:r>
-              <a:rPr lang="en-US" sz="1050" b="1" dirty="0" smtClean="0"/>
-              <a:t>       input guess</a:t>
-            </a:r>
-          </a:p>
-          <a:p>
-            <a:r>
-              <a:rPr lang="en-US" sz="1050" b="1" dirty="0" smtClean="0"/>
-              <a:t>return</a:t>
-            </a:r>
-          </a:p>
-          <a:p>
-            <a:endParaRPr lang="en-US" sz="1050" b="1" dirty="0" smtClean="0"/>
-          </a:p>
-          <a:p>
-            <a:r>
-              <a:rPr lang="en-US" sz="1050" b="1" dirty="0" smtClean="0"/>
-              <a:t>finish()</a:t>
-            </a:r>
-          </a:p>
-          <a:p>
-            <a:r>
-              <a:rPr lang="en-US" sz="1050" b="1" dirty="0" smtClean="0"/>
-              <a:t>   output BYE</a:t>
-            </a:r>
-          </a:p>
-          <a:p>
-            <a:r>
-              <a:rPr lang="en-US" sz="1050" b="1" dirty="0" smtClean="0"/>
-              <a:t>return</a:t>
-            </a:r>
-          </a:p>
-          <a:p>
-            <a:endParaRPr lang="en-US" sz="1000" dirty="0"/>
-          </a:p>
-        </p:txBody>
-      </p:sp>
-    </p:spTree>
-    <p:extLst>
-      <p:ext uri="{BB962C8B-B14F-4D97-AF65-F5344CB8AC3E}">
-        <p14:creationId xmlns:p14="http://schemas.microsoft.com/office/powerpoint/2010/main" val="2443138113"/>
-      </p:ext>
-    </p:extLst>
-  </p:cSld>
-  <p:clrMapOvr>
-    <a:masterClrMapping/>
-  </p:clrMapOvr>
+  <p:timing>
+    <p:tnLst>
+      <p:par>
+        <p:cTn id="1" dur="indefinite" restart="never" nodeType="tmRoot">
+          <p:childTnLst>
+            <p:seq concurrent="1" nextAc="seek">
+              <p:cTn id="2" dur="indefinite" nodeType="mainSeq">
+                <p:childTnLst>
+                  <p:par>
+                    <p:cTn id="3" fill="hold">
+                      <p:stCondLst>
+                        <p:cond delay="indefinite"/>
+                      </p:stCondLst>
+                      <p:childTnLst>
+                        <p:par>
+                          <p:cTn id="4" fill="hold">
+                            <p:stCondLst>
+                              <p:cond delay="0"/>
+                            </p:stCondLst>
+                            <p:childTnLst>
+                              <p:par>
+                                <p:cTn id="5" presetID="1" presetClass="entr" presetSubtype="0" fill="hold" grpId="0" nodeType="clickEffect">
+                                  <p:stCondLst>
+                                    <p:cond delay="0"/>
+                                  </p:stCondLst>
+                                  <p:childTnLst>
+                                    <p:set>
+                                      <p:cBhvr>
+                                        <p:cTn id="6" dur="1" fill="hold">
+                                          <p:stCondLst>
+                                            <p:cond delay="0"/>
+                                          </p:stCondLst>
+                                        </p:cTn>
+                                        <p:tgtEl>
+                                          <p:spTgt spid="2"/>
+                                        </p:tgtEl>
+                                        <p:attrNameLst>
+                                          <p:attrName>style.visibility</p:attrName>
+                                        </p:attrNameLst>
+                                      </p:cBhvr>
+                                      <p:to>
+                                        <p:strVal val="visible"/>
+                                      </p:to>
+                                    </p:set>
+                                  </p:childTnLst>
+                                </p:cTn>
+                              </p:par>
+                            </p:childTnLst>
+                          </p:cTn>
+                        </p:par>
+                      </p:childTnLst>
+                    </p:cTn>
+                  </p:par>
+                  <p:par>
+                    <p:cTn id="7" fill="hold">
+                      <p:stCondLst>
+                        <p:cond delay="indefinite"/>
+                      </p:stCondLst>
+                      <p:childTnLst>
+                        <p:par>
+                          <p:cTn id="8" fill="hold">
+                            <p:stCondLst>
+                              <p:cond delay="0"/>
+                            </p:stCondLst>
+                            <p:childTnLst>
+                              <p:par>
+                                <p:cTn id="9" presetID="1" presetClass="entr" presetSubtype="0" fill="hold" grpId="0" nodeType="clickEffect">
+                                  <p:stCondLst>
+                                    <p:cond delay="0"/>
+                                  </p:stCondLst>
+                                  <p:childTnLst>
+                                    <p:set>
+                                      <p:cBhvr>
+                                        <p:cTn id="10" dur="1" fill="hold">
+                                          <p:stCondLst>
+                                            <p:cond delay="0"/>
+                                          </p:stCondLst>
+                                        </p:cTn>
+                                        <p:tgtEl>
+                                          <p:spTgt spid="3">
+                                            <p:txEl>
+                                              <p:pRg st="0" end="0"/>
+                                            </p:txEl>
+                                          </p:spTgt>
+                                        </p:tgtEl>
+                                        <p:attrNameLst>
+                                          <p:attrName>style.visibility</p:attrName>
+                                        </p:attrNameLst>
+                                      </p:cBhvr>
+                                      <p:to>
+                                        <p:strVal val="visible"/>
+                                      </p:to>
+                                    </p:set>
+                                  </p:childTnLst>
+                                </p:cTn>
+                              </p:par>
+                              <p:par>
+                                <p:cTn id="11" presetID="1" presetClass="entr" presetSubtype="0" fill="hold" grpId="0" nodeType="withEffect">
+                                  <p:stCondLst>
+                                    <p:cond delay="0"/>
+                                  </p:stCondLst>
+                                  <p:childTnLst>
+                                    <p:set>
+                                      <p:cBhvr>
+                                        <p:cTn id="12" dur="1" fill="hold">
+                                          <p:stCondLst>
+                                            <p:cond delay="0"/>
+                                          </p:stCondLst>
+                                        </p:cTn>
+                                        <p:tgtEl>
+                                          <p:spTgt spid="3">
+                                            <p:txEl>
+                                              <p:pRg st="1" end="1"/>
+                                            </p:txEl>
+                                          </p:spTgt>
+                                        </p:tgtEl>
+                                        <p:attrNameLst>
+                                          <p:attrName>style.visibility</p:attrName>
+                                        </p:attrNameLst>
+                                      </p:cBhvr>
+                                      <p:to>
+                                        <p:strVal val="visible"/>
+                                      </p:to>
+                                    </p:set>
+                                  </p:childTnLst>
+                                </p:cTn>
+                              </p:par>
+                              <p:par>
+                                <p:cTn id="13" presetID="1" presetClass="entr" presetSubtype="0" fill="hold" grpId="0" nodeType="withEffect">
+                                  <p:stCondLst>
+                                    <p:cond delay="0"/>
+                                  </p:stCondLst>
+                                  <p:childTnLst>
+                                    <p:set>
+                                      <p:cBhvr>
+                                        <p:cTn id="14" dur="1" fill="hold">
+                                          <p:stCondLst>
+                                            <p:cond delay="0"/>
+                                          </p:stCondLst>
+                                        </p:cTn>
+                                        <p:tgtEl>
+                                          <p:spTgt spid="3">
+                                            <p:txEl>
+                                              <p:pRg st="2" end="2"/>
+                                            </p:txEl>
+                                          </p:spTgt>
+                                        </p:tgtEl>
+                                        <p:attrNameLst>
+                                          <p:attrName>style.visibility</p:attrName>
+                                        </p:attrNameLst>
+                                      </p:cBhvr>
+                                      <p:to>
+                                        <p:strVal val="visible"/>
+                                      </p:to>
+                                    </p:set>
+                                  </p:childTnLst>
+                                </p:cTn>
+                              </p:par>
+                              <p:par>
+                                <p:cTn id="15" presetID="1" presetClass="entr" presetSubtype="0" fill="hold" grpId="0" nodeType="withEffect">
+                                  <p:stCondLst>
+                                    <p:cond delay="0"/>
+                                  </p:stCondLst>
+                                  <p:childTnLst>
+                                    <p:set>
+                                      <p:cBhvr>
+                                        <p:cTn id="16" dur="1" fill="hold">
+                                          <p:stCondLst>
+                                            <p:cond delay="0"/>
+                                          </p:stCondLst>
+                                        </p:cTn>
+                                        <p:tgtEl>
+                                          <p:spTgt spid="3">
+                                            <p:txEl>
+                                              <p:pRg st="3" end="3"/>
+                                            </p:txEl>
+                                          </p:spTgt>
+                                        </p:tgtEl>
+                                        <p:attrNameLst>
+                                          <p:attrName>style.visibility</p:attrName>
+                                        </p:attrNameLst>
+                                      </p:cBhvr>
+                                      <p:to>
+                                        <p:strVal val="visible"/>
+                                      </p:to>
+                                    </p:set>
+                                  </p:childTnLst>
+                                </p:cTn>
+                              </p:par>
+                              <p:par>
+                                <p:cTn id="17" presetID="1" presetClass="entr" presetSubtype="0" fill="hold" grpId="0" nodeType="withEffect">
+                                  <p:stCondLst>
+                                    <p:cond delay="0"/>
+                                  </p:stCondLst>
+                                  <p:childTnLst>
+                                    <p:set>
+                                      <p:cBhvr>
+                                        <p:cTn id="18" dur="1" fill="hold">
+                                          <p:stCondLst>
+                                            <p:cond delay="0"/>
+                                          </p:stCondLst>
+                                        </p:cTn>
+                                        <p:tgtEl>
+                                          <p:spTgt spid="3">
+                                            <p:txEl>
+                                              <p:pRg st="4" end="4"/>
+                                            </p:txEl>
+                                          </p:spTgt>
+                                        </p:tgtEl>
+                                        <p:attrNameLst>
+                                          <p:attrName>style.visibility</p:attrName>
+                                        </p:attrNameLst>
+                                      </p:cBhvr>
+                                      <p:to>
+                                        <p:strVal val="visible"/>
+                                      </p:to>
+                                    </p:set>
+                                  </p:childTnLst>
+                                </p:cTn>
+                              </p:par>
+                              <p:par>
+                                <p:cTn id="19" presetID="1" presetClass="entr" presetSubtype="0" fill="hold" grpId="0" nodeType="withEffect">
+                                  <p:stCondLst>
+                                    <p:cond delay="0"/>
+                                  </p:stCondLst>
+                                  <p:childTnLst>
+                                    <p:set>
+                                      <p:cBhvr>
+                                        <p:cTn id="20" dur="1" fill="hold">
+                                          <p:stCondLst>
+                                            <p:cond delay="0"/>
+                                          </p:stCondLst>
+                                        </p:cTn>
+                                        <p:tgtEl>
+                                          <p:spTgt spid="3">
+                                            <p:txEl>
+                                              <p:pRg st="5" end="5"/>
+                                            </p:txEl>
+                                          </p:spTgt>
+                                        </p:tgtEl>
+                                        <p:attrNameLst>
+                                          <p:attrName>style.visibility</p:attrName>
+                                        </p:attrNameLst>
+                                      </p:cBhvr>
+                                      <p:to>
+                                        <p:strVal val="visible"/>
+                                      </p:to>
+                                    </p:set>
+                                  </p:childTnLst>
+                                </p:cTn>
+                              </p:par>
+                              <p:par>
+                                <p:cTn id="21" presetID="1" presetClass="entr" presetSubtype="0" fill="hold" grpId="0" nodeType="withEffect">
+                                  <p:stCondLst>
+                                    <p:cond delay="0"/>
+                                  </p:stCondLst>
+                                  <p:childTnLst>
+                                    <p:set>
+                                      <p:cBhvr>
+                                        <p:cTn id="22" dur="1" fill="hold">
+                                          <p:stCondLst>
+                                            <p:cond delay="0"/>
+                                          </p:stCondLst>
+                                        </p:cTn>
+                                        <p:tgtEl>
+                                          <p:spTgt spid="3">
+                                            <p:txEl>
+                                              <p:pRg st="6" end="6"/>
+                                            </p:txEl>
+                                          </p:spTgt>
+                                        </p:tgtEl>
+                                        <p:attrNameLst>
+                                          <p:attrName>style.visibility</p:attrName>
+                                        </p:attrNameLst>
+                                      </p:cBhvr>
+                                      <p:to>
+                                        <p:strVal val="visible"/>
+                                      </p:to>
+                                    </p:set>
+                                  </p:childTnLst>
+                                </p:cTn>
+                              </p:par>
+                              <p:par>
+                                <p:cTn id="23" presetID="1" presetClass="entr" presetSubtype="0" fill="hold" grpId="0" nodeType="withEffect">
+                                  <p:stCondLst>
+                                    <p:cond delay="0"/>
+                                  </p:stCondLst>
+                                  <p:childTnLst>
+                                    <p:set>
+                                      <p:cBhvr>
+                                        <p:cTn id="24" dur="1" fill="hold">
+                                          <p:stCondLst>
+                                            <p:cond delay="0"/>
+                                          </p:stCondLst>
+                                        </p:cTn>
+                                        <p:tgtEl>
+                                          <p:spTgt spid="3">
+                                            <p:txEl>
+                                              <p:pRg st="7" end="7"/>
+                                            </p:txEl>
+                                          </p:spTgt>
+                                        </p:tgtEl>
+                                        <p:attrNameLst>
+                                          <p:attrName>style.visibility</p:attrName>
+                                        </p:attrNameLst>
+                                      </p:cBhvr>
+                                      <p:to>
+                                        <p:strVal val="visible"/>
+                                      </p:to>
+                                    </p:set>
+                                  </p:childTnLst>
+                                </p:cTn>
+                              </p:par>
+                              <p:par>
+                                <p:cTn id="25" presetID="1" presetClass="entr" presetSubtype="0" fill="hold" grpId="0" nodeType="withEffect">
+                                  <p:stCondLst>
+                                    <p:cond delay="0"/>
+                                  </p:stCondLst>
+                                  <p:childTnLst>
+                                    <p:set>
+                                      <p:cBhvr>
+                                        <p:cTn id="26" dur="1" fill="hold">
+                                          <p:stCondLst>
+                                            <p:cond delay="0"/>
+                                          </p:stCondLst>
+                                        </p:cTn>
+                                        <p:tgtEl>
+                                          <p:spTgt spid="3">
+                                            <p:txEl>
+                                              <p:pRg st="8" end="8"/>
+                                            </p:txEl>
+                                          </p:spTgt>
+                                        </p:tgtEl>
+                                        <p:attrNameLst>
+                                          <p:attrName>style.visibility</p:attrName>
+                                        </p:attrNameLst>
+                                      </p:cBhvr>
+                                      <p:to>
+                                        <p:strVal val="visible"/>
+                                      </p:to>
+                                    </p:set>
+                                  </p:childTnLst>
+                                </p:cTn>
+                              </p:par>
+                              <p:par>
+                                <p:cTn id="27" presetID="1" presetClass="entr" presetSubtype="0" fill="hold" nodeType="withEffect">
+                                  <p:stCondLst>
+                                    <p:cond delay="0"/>
+                                  </p:stCondLst>
+                                  <p:childTnLst>
+                                    <p:set>
+                                      <p:cBhvr>
+                                        <p:cTn id="28" dur="1" fill="hold">
+                                          <p:stCondLst>
+                                            <p:cond delay="0"/>
+                                          </p:stCondLst>
+                                        </p:cTn>
+                                        <p:tgtEl>
+                                          <p:spTgt spid="13"/>
+                                        </p:tgtEl>
+                                        <p:attrNameLst>
+                                          <p:attrName>style.visibility</p:attrName>
+                                        </p:attrNameLst>
+                                      </p:cBhvr>
+                                      <p:to>
+                                        <p:strVal val="visible"/>
+                                      </p:to>
+                                    </p:set>
+                                  </p:childTnLst>
+                                </p:cTn>
+                              </p:par>
+                              <p:par>
+                                <p:cTn id="29" presetID="1" presetClass="entr" presetSubtype="0" fill="hold" grpId="0" nodeType="withEffect">
+                                  <p:stCondLst>
+                                    <p:cond delay="0"/>
+                                  </p:stCondLst>
+                                  <p:childTnLst>
+                                    <p:set>
+                                      <p:cBhvr>
+                                        <p:cTn id="30" dur="1" fill="hold">
+                                          <p:stCondLst>
+                                            <p:cond delay="0"/>
+                                          </p:stCondLst>
+                                        </p:cTn>
+                                        <p:tgtEl>
+                                          <p:spTgt spid="14"/>
+                                        </p:tgtEl>
+                                        <p:attrNameLst>
+                                          <p:attrName>style.visibility</p:attrName>
+                                        </p:attrNameLst>
+                                      </p:cBhvr>
+                                      <p:to>
+                                        <p:strVal val="visible"/>
+                                      </p:to>
+                                    </p:set>
+                                  </p:childTnLst>
+                                </p:cTn>
+                              </p:par>
+                            </p:childTnLst>
+                          </p:cTn>
+                        </p:par>
+                      </p:childTnLst>
+                    </p:cTn>
+                  </p:par>
+                  <p:par>
+                    <p:cTn id="31" fill="hold">
+                      <p:stCondLst>
+                        <p:cond delay="indefinite"/>
+                      </p:stCondLst>
+                      <p:childTnLst>
+                        <p:par>
+                          <p:cTn id="32" fill="hold">
+                            <p:stCondLst>
+                              <p:cond delay="0"/>
+                            </p:stCondLst>
+                            <p:childTnLst>
+                              <p:par>
+                                <p:cTn id="33" presetID="1" presetClass="entr" presetSubtype="0" fill="hold" grpId="0" nodeType="clickEffect">
+                                  <p:stCondLst>
+                                    <p:cond delay="0"/>
+                                  </p:stCondLst>
+                                  <p:childTnLst>
+                                    <p:set>
+                                      <p:cBhvr>
+                                        <p:cTn id="34" dur="1" fill="hold">
+                                          <p:stCondLst>
+                                            <p:cond delay="0"/>
+                                          </p:stCondLst>
+                                        </p:cTn>
+                                        <p:tgtEl>
+                                          <p:spTgt spid="25"/>
+                                        </p:tgtEl>
+                                        <p:attrNameLst>
+                                          <p:attrName>style.visibility</p:attrName>
+                                        </p:attrNameLst>
+                                      </p:cBhvr>
+                                      <p:to>
+                                        <p:strVal val="visible"/>
+                                      </p:to>
+                                    </p:set>
+                                  </p:childTnLst>
+                                </p:cTn>
+                              </p:par>
+                              <p:par>
+                                <p:cTn id="35" presetID="1" presetClass="entr" presetSubtype="0" fill="hold" grpId="0" nodeType="withEffect">
+                                  <p:stCondLst>
+                                    <p:cond delay="0"/>
+                                  </p:stCondLst>
+                                  <p:childTnLst>
+                                    <p:set>
+                                      <p:cBhvr>
+                                        <p:cTn id="36" dur="1" fill="hold">
+                                          <p:stCondLst>
+                                            <p:cond delay="0"/>
+                                          </p:stCondLst>
+                                        </p:cTn>
+                                        <p:tgtEl>
+                                          <p:spTgt spid="16"/>
+                                        </p:tgtEl>
+                                        <p:attrNameLst>
+                                          <p:attrName>style.visibility</p:attrName>
+                                        </p:attrNameLst>
+                                      </p:cBhvr>
+                                      <p:to>
+                                        <p:strVal val="visible"/>
+                                      </p:to>
+                                    </p:set>
+                                  </p:childTnLst>
+                                </p:cTn>
+                              </p:par>
+                              <p:par>
+                                <p:cTn id="37" presetID="1" presetClass="entr" presetSubtype="0" fill="hold" nodeType="withEffect">
+                                  <p:stCondLst>
+                                    <p:cond delay="0"/>
+                                  </p:stCondLst>
+                                  <p:childTnLst>
+                                    <p:set>
+                                      <p:cBhvr>
+                                        <p:cTn id="38" dur="1" fill="hold">
+                                          <p:stCondLst>
+                                            <p:cond delay="0"/>
+                                          </p:stCondLst>
+                                        </p:cTn>
+                                        <p:tgtEl>
+                                          <p:spTgt spid="15"/>
+                                        </p:tgtEl>
+                                        <p:attrNameLst>
+                                          <p:attrName>style.visibility</p:attrName>
+                                        </p:attrNameLst>
+                                      </p:cBhvr>
+                                      <p:to>
+                                        <p:strVal val="visible"/>
+                                      </p:to>
+                                    </p:set>
+                                  </p:childTnLst>
+                                </p:cTn>
+                              </p:par>
+                            </p:childTnLst>
+                          </p:cTn>
+                        </p:par>
+                      </p:childTnLst>
+                    </p:cTn>
+                  </p:par>
+                  <p:par>
+                    <p:cTn id="39" fill="hold">
+                      <p:stCondLst>
+                        <p:cond delay="indefinite"/>
+                      </p:stCondLst>
+                      <p:childTnLst>
+                        <p:par>
+                          <p:cTn id="40" fill="hold">
+                            <p:stCondLst>
+                              <p:cond delay="0"/>
+                            </p:stCondLst>
+                            <p:childTnLst>
+                              <p:par>
+                                <p:cTn id="41" presetID="1" presetClass="entr" presetSubtype="0" fill="hold" grpId="0" nodeType="clickEffect">
+                                  <p:stCondLst>
+                                    <p:cond delay="0"/>
+                                  </p:stCondLst>
+                                  <p:childTnLst>
+                                    <p:set>
+                                      <p:cBhvr>
+                                        <p:cTn id="42" dur="1" fill="hold">
+                                          <p:stCondLst>
+                                            <p:cond delay="0"/>
+                                          </p:stCondLst>
+                                        </p:cTn>
+                                        <p:tgtEl>
+                                          <p:spTgt spid="26"/>
+                                        </p:tgtEl>
+                                        <p:attrNameLst>
+                                          <p:attrName>style.visibility</p:attrName>
+                                        </p:attrNameLst>
+                                      </p:cBhvr>
+                                      <p:to>
+                                        <p:strVal val="visible"/>
+                                      </p:to>
+                                    </p:set>
+                                  </p:childTnLst>
+                                </p:cTn>
+                              </p:par>
+                              <p:par>
+                                <p:cTn id="43" presetID="1" presetClass="entr" presetSubtype="0" fill="hold" grpId="0" nodeType="withEffect">
+                                  <p:stCondLst>
+                                    <p:cond delay="0"/>
+                                  </p:stCondLst>
+                                  <p:childTnLst>
+                                    <p:set>
+                                      <p:cBhvr>
+                                        <p:cTn id="44" dur="1" fill="hold">
+                                          <p:stCondLst>
+                                            <p:cond delay="0"/>
+                                          </p:stCondLst>
+                                        </p:cTn>
+                                        <p:tgtEl>
+                                          <p:spTgt spid="9"/>
+                                        </p:tgtEl>
+                                        <p:attrNameLst>
+                                          <p:attrName>style.visibility</p:attrName>
+                                        </p:attrNameLst>
+                                      </p:cBhvr>
+                                      <p:to>
+                                        <p:strVal val="visible"/>
+                                      </p:to>
+                                    </p:set>
+                                  </p:childTnLst>
+                                </p:cTn>
+                              </p:par>
+                              <p:par>
+                                <p:cTn id="45" presetID="1" presetClass="entr" presetSubtype="0" fill="hold" nodeType="withEffect">
+                                  <p:stCondLst>
+                                    <p:cond delay="0"/>
+                                  </p:stCondLst>
+                                  <p:childTnLst>
+                                    <p:set>
+                                      <p:cBhvr>
+                                        <p:cTn id="46" dur="1" fill="hold">
+                                          <p:stCondLst>
+                                            <p:cond delay="0"/>
+                                          </p:stCondLst>
+                                        </p:cTn>
+                                        <p:tgtEl>
+                                          <p:spTgt spid="5"/>
+                                        </p:tgtEl>
+                                        <p:attrNameLst>
+                                          <p:attrName>style.visibility</p:attrName>
+                                        </p:attrNameLst>
+                                      </p:cBhvr>
+                                      <p:to>
+                                        <p:strVal val="visible"/>
+                                      </p:to>
+                                    </p:set>
+                                  </p:childTnLst>
+                                </p:cTn>
+                              </p:par>
+                            </p:childTnLst>
+                          </p:cTn>
+                        </p:par>
+                      </p:childTnLst>
+                    </p:cTn>
+                  </p:par>
+                  <p:par>
+                    <p:cTn id="47" fill="hold">
+                      <p:stCondLst>
+                        <p:cond delay="indefinite"/>
+                      </p:stCondLst>
+                      <p:childTnLst>
+                        <p:par>
+                          <p:cTn id="48" fill="hold">
+                            <p:stCondLst>
+                              <p:cond delay="0"/>
+                            </p:stCondLst>
+                            <p:childTnLst>
+                              <p:par>
+                                <p:cTn id="49" presetID="1" presetClass="entr" presetSubtype="0" fill="hold" grpId="0" nodeType="clickEffect">
+                                  <p:stCondLst>
+                                    <p:cond delay="0"/>
+                                  </p:stCondLst>
+                                  <p:childTnLst>
+                                    <p:set>
+                                      <p:cBhvr>
+                                        <p:cTn id="50" dur="1" fill="hold">
+                                          <p:stCondLst>
+                                            <p:cond delay="0"/>
+                                          </p:stCondLst>
+                                        </p:cTn>
+                                        <p:tgtEl>
+                                          <p:spTgt spid="10"/>
+                                        </p:tgtEl>
+                                        <p:attrNameLst>
+                                          <p:attrName>style.visibility</p:attrName>
+                                        </p:attrNameLst>
+                                      </p:cBhvr>
+                                      <p:to>
+                                        <p:strVal val="visible"/>
+                                      </p:to>
+                                    </p:set>
+                                  </p:childTnLst>
+                                </p:cTn>
+                              </p:par>
+                              <p:par>
+                                <p:cTn id="51" presetID="1" presetClass="entr" presetSubtype="0" fill="hold" nodeType="withEffect">
+                                  <p:stCondLst>
+                                    <p:cond delay="0"/>
+                                  </p:stCondLst>
+                                  <p:childTnLst>
+                                    <p:set>
+                                      <p:cBhvr>
+                                        <p:cTn id="52" dur="1" fill="hold">
+                                          <p:stCondLst>
+                                            <p:cond delay="0"/>
+                                          </p:stCondLst>
+                                        </p:cTn>
+                                        <p:tgtEl>
+                                          <p:spTgt spid="6"/>
+                                        </p:tgtEl>
+                                        <p:attrNameLst>
+                                          <p:attrName>style.visibility</p:attrName>
+                                        </p:attrNameLst>
+                                      </p:cBhvr>
+                                      <p:to>
+                                        <p:strVal val="visible"/>
+                                      </p:to>
+                                    </p:set>
+                                  </p:childTnLst>
+                                </p:cTn>
+                              </p:par>
+                            </p:childTnLst>
+                          </p:cTn>
+                        </p:par>
+                      </p:childTnLst>
+                    </p:cTn>
+                  </p:par>
+                  <p:par>
+                    <p:cTn id="53" fill="hold">
+                      <p:stCondLst>
+                        <p:cond delay="indefinite"/>
+                      </p:stCondLst>
+                      <p:childTnLst>
+                        <p:par>
+                          <p:cTn id="54" fill="hold">
+                            <p:stCondLst>
+                              <p:cond delay="0"/>
+                            </p:stCondLst>
+                            <p:childTnLst>
+                              <p:par>
+                                <p:cTn id="55" presetID="1" presetClass="entr" presetSubtype="0" fill="hold" nodeType="clickEffect">
+                                  <p:stCondLst>
+                                    <p:cond delay="0"/>
+                                  </p:stCondLst>
+                                  <p:childTnLst>
+                                    <p:set>
+                                      <p:cBhvr>
+                                        <p:cTn id="56" dur="1" fill="hold">
+                                          <p:stCondLst>
+                                            <p:cond delay="0"/>
+                                          </p:stCondLst>
+                                        </p:cTn>
+                                        <p:tgtEl>
+                                          <p:spTgt spid="11"/>
+                                        </p:tgtEl>
+                                        <p:attrNameLst>
+                                          <p:attrName>style.visibility</p:attrName>
+                                        </p:attrNameLst>
+                                      </p:cBhvr>
+                                      <p:to>
+                                        <p:strVal val="visible"/>
+                                      </p:to>
+                                    </p:set>
+                                  </p:childTnLst>
+                                </p:cTn>
+                              </p:par>
+                              <p:par>
+                                <p:cTn id="57" presetID="1" presetClass="entr" presetSubtype="0" fill="hold" grpId="0" nodeType="withEffect">
+                                  <p:stCondLst>
+                                    <p:cond delay="0"/>
+                                  </p:stCondLst>
+                                  <p:childTnLst>
+                                    <p:set>
+                                      <p:cBhvr>
+                                        <p:cTn id="58" dur="1" fill="hold">
+                                          <p:stCondLst>
+                                            <p:cond delay="0"/>
+                                          </p:stCondLst>
+                                        </p:cTn>
+                                        <p:tgtEl>
+                                          <p:spTgt spid="12"/>
+                                        </p:tgtEl>
+                                        <p:attrNameLst>
+                                          <p:attrName>style.visibility</p:attrName>
+                                        </p:attrNameLst>
+                                      </p:cBhvr>
+                                      <p:to>
+                                        <p:strVal val="visible"/>
+                                      </p:to>
+                                    </p:set>
+                                  </p:childTnLst>
+                                </p:cTn>
+                              </p:par>
+                            </p:childTnLst>
+                          </p:cTn>
+                        </p:par>
+                      </p:childTnLst>
+                    </p:cTn>
+                  </p:par>
+                </p:childTnLst>
+              </p:cTn>
+              <p:prevCondLst>
+                <p:cond evt="onPrev" delay="0">
+                  <p:tgtEl>
+                    <p:sldTgt/>
+                  </p:tgtEl>
+                </p:cond>
+              </p:prevCondLst>
+              <p:nextCondLst>
+                <p:cond evt="onNext" delay="0">
+                  <p:tgtEl>
+                    <p:sldTgt/>
+                  </p:tgtEl>
+                </p:cond>
+              </p:nextCondLst>
+            </p:seq>
+          </p:childTnLst>
+        </p:cTn>
+      </p:par>
+    </p:tnLst>
+    <p:bldLst>
+      <p:bldP spid="2" grpId="0"/>
+      <p:bldP spid="3" grpId="0" build="allAtOnce"/>
+      <p:bldP spid="9" grpId="0"/>
+      <p:bldP spid="10" grpId="0"/>
+      <p:bldP spid="12" grpId="0"/>
+      <p:bldP spid="14" grpId="0"/>
+      <p:bldP spid="16" grpId="0"/>
+      <p:bldP spid="25" grpId="0"/>
+      <p:bldP spid="26" grpId="0"/>
+    </p:bldLst>
+  </p:timing>
 </p:sld>
 </file>
 
